--- a/MAT2034_MAT2404_GTS_HK1_Python/GTS_Chương_3_Root_finding.pptx
+++ b/MAT2034_MAT2404_GTS_HK1_Python/GTS_Chương_3_Root_finding.pptx
@@ -16,7 +16,12 @@
     <p:sldId id="265" r:id="rId10"/>
     <p:sldId id="266" r:id="rId11"/>
     <p:sldId id="267" r:id="rId12"/>
-    <p:sldId id="264" r:id="rId13"/>
+    <p:sldId id="269" r:id="rId13"/>
+    <p:sldId id="270" r:id="rId14"/>
+    <p:sldId id="271" r:id="rId15"/>
+    <p:sldId id="272" r:id="rId16"/>
+    <p:sldId id="273" r:id="rId17"/>
+    <p:sldId id="274" r:id="rId18"/>
   </p:sldIdLst>
   <p:sldSz cx="12192000" cy="6858000"/>
   <p:notesSz cx="6858000" cy="9144000"/>
@@ -315,7 +320,7 @@
             <a:fld id="{B61BEF0D-F0BB-DE4B-95CE-6DB70DBA9567}" type="datetimeFigureOut">
               <a:rPr lang="en-US" dirty="0"/>
               <a:pPr/>
-              <a:t>11/3/2022</a:t>
+              <a:t>11/10/2022</a:t>
             </a:fld>
             <a:endParaRPr lang="en-US" dirty="0"/>
           </a:p>
@@ -748,7 +753,7 @@
             <a:fld id="{B61BEF0D-F0BB-DE4B-95CE-6DB70DBA9567}" type="datetimeFigureOut">
               <a:rPr lang="en-US" dirty="0"/>
               <a:pPr/>
-              <a:t>11/3/2022</a:t>
+              <a:t>11/10/2022</a:t>
             </a:fld>
             <a:endParaRPr lang="en-US" dirty="0"/>
           </a:p>
@@ -995,7 +1000,7 @@
             <a:fld id="{B61BEF0D-F0BB-DE4B-95CE-6DB70DBA9567}" type="datetimeFigureOut">
               <a:rPr lang="en-US" dirty="0"/>
               <a:pPr/>
-              <a:t>11/3/2022</a:t>
+              <a:t>11/10/2022</a:t>
             </a:fld>
             <a:endParaRPr lang="en-US" dirty="0"/>
           </a:p>
@@ -1300,7 +1305,7 @@
             <a:fld id="{B61BEF0D-F0BB-DE4B-95CE-6DB70DBA9567}" type="datetimeFigureOut">
               <a:rPr lang="en-US" dirty="0"/>
               <a:pPr/>
-              <a:t>11/3/2022</a:t>
+              <a:t>11/10/2022</a:t>
             </a:fld>
             <a:endParaRPr lang="en-US" dirty="0"/>
           </a:p>
@@ -1615,7 +1620,7 @@
             <a:fld id="{B61BEF0D-F0BB-DE4B-95CE-6DB70DBA9567}" type="datetimeFigureOut">
               <a:rPr lang="en-US" dirty="0"/>
               <a:pPr/>
-              <a:t>11/3/2022</a:t>
+              <a:t>11/10/2022</a:t>
             </a:fld>
             <a:endParaRPr lang="en-US" dirty="0"/>
           </a:p>
@@ -1914,7 +1919,7 @@
             <a:fld id="{B61BEF0D-F0BB-DE4B-95CE-6DB70DBA9567}" type="datetimeFigureOut">
               <a:rPr lang="en-US" dirty="0"/>
               <a:pPr/>
-              <a:t>11/3/2022</a:t>
+              <a:t>11/10/2022</a:t>
             </a:fld>
             <a:endParaRPr lang="en-US" dirty="0"/>
           </a:p>
@@ -2278,7 +2283,7 @@
             <a:fld id="{B61BEF0D-F0BB-DE4B-95CE-6DB70DBA9567}" type="datetimeFigureOut">
               <a:rPr lang="en-US" dirty="0"/>
               <a:pPr/>
-              <a:t>11/3/2022</a:t>
+              <a:t>11/10/2022</a:t>
             </a:fld>
             <a:endParaRPr lang="en-US" dirty="0"/>
           </a:p>
@@ -2449,7 +2454,7 @@
             <a:fld id="{B61BEF0D-F0BB-DE4B-95CE-6DB70DBA9567}" type="datetimeFigureOut">
               <a:rPr lang="en-US" dirty="0"/>
               <a:pPr/>
-              <a:t>11/3/2022</a:t>
+              <a:t>11/10/2022</a:t>
             </a:fld>
             <a:endParaRPr lang="en-US" dirty="0"/>
           </a:p>
@@ -2626,7 +2631,7 @@
             <a:fld id="{B61BEF0D-F0BB-DE4B-95CE-6DB70DBA9567}" type="datetimeFigureOut">
               <a:rPr lang="en-US" dirty="0"/>
               <a:pPr/>
-              <a:t>11/3/2022</a:t>
+              <a:t>11/10/2022</a:t>
             </a:fld>
             <a:endParaRPr lang="en-US" dirty="0"/>
           </a:p>
@@ -2793,7 +2798,7 @@
             <a:fld id="{B61BEF0D-F0BB-DE4B-95CE-6DB70DBA9567}" type="datetimeFigureOut">
               <a:rPr lang="en-US" dirty="0"/>
               <a:pPr/>
-              <a:t>11/3/2022</a:t>
+              <a:t>11/10/2022</a:t>
             </a:fld>
             <a:endParaRPr lang="en-US" dirty="0"/>
           </a:p>
@@ -3040,7 +3045,7 @@
             <a:fld id="{B61BEF0D-F0BB-DE4B-95CE-6DB70DBA9567}" type="datetimeFigureOut">
               <a:rPr lang="en-US" dirty="0"/>
               <a:pPr/>
-              <a:t>11/3/2022</a:t>
+              <a:t>11/10/2022</a:t>
             </a:fld>
             <a:endParaRPr lang="en-US" dirty="0"/>
           </a:p>
@@ -3273,7 +3278,7 @@
             <a:fld id="{B61BEF0D-F0BB-DE4B-95CE-6DB70DBA9567}" type="datetimeFigureOut">
               <a:rPr lang="en-US" dirty="0"/>
               <a:pPr/>
-              <a:t>11/3/2022</a:t>
+              <a:t>11/10/2022</a:t>
             </a:fld>
             <a:endParaRPr lang="en-US" dirty="0"/>
           </a:p>
@@ -3652,7 +3657,7 @@
             <a:fld id="{B61BEF0D-F0BB-DE4B-95CE-6DB70DBA9567}" type="datetimeFigureOut">
               <a:rPr lang="en-US" dirty="0"/>
               <a:pPr/>
-              <a:t>11/3/2022</a:t>
+              <a:t>11/10/2022</a:t>
             </a:fld>
             <a:endParaRPr lang="en-US" dirty="0"/>
           </a:p>
@@ -3767,7 +3772,7 @@
             <a:fld id="{B61BEF0D-F0BB-DE4B-95CE-6DB70DBA9567}" type="datetimeFigureOut">
               <a:rPr lang="en-US" dirty="0"/>
               <a:pPr/>
-              <a:t>11/3/2022</a:t>
+              <a:t>11/10/2022</a:t>
             </a:fld>
             <a:endParaRPr lang="en-US" dirty="0"/>
           </a:p>
@@ -3859,7 +3864,7 @@
             <a:fld id="{B61BEF0D-F0BB-DE4B-95CE-6DB70DBA9567}" type="datetimeFigureOut">
               <a:rPr lang="en-US" dirty="0"/>
               <a:pPr/>
-              <a:t>11/3/2022</a:t>
+              <a:t>11/10/2022</a:t>
             </a:fld>
             <a:endParaRPr lang="en-US" dirty="0"/>
           </a:p>
@@ -4111,7 +4116,7 @@
             <a:fld id="{B61BEF0D-F0BB-DE4B-95CE-6DB70DBA9567}" type="datetimeFigureOut">
               <a:rPr lang="en-US" dirty="0"/>
               <a:pPr/>
-              <a:t>11/3/2022</a:t>
+              <a:t>11/10/2022</a:t>
             </a:fld>
             <a:endParaRPr lang="en-US" dirty="0"/>
           </a:p>
@@ -4391,7 +4396,7 @@
             <a:fld id="{B61BEF0D-F0BB-DE4B-95CE-6DB70DBA9567}" type="datetimeFigureOut">
               <a:rPr lang="en-US" dirty="0"/>
               <a:pPr/>
-              <a:t>11/3/2022</a:t>
+              <a:t>11/10/2022</a:t>
             </a:fld>
             <a:endParaRPr lang="en-US" dirty="0"/>
           </a:p>
@@ -4797,7 +4802,7 @@
             <a:fld id="{B61BEF0D-F0BB-DE4B-95CE-6DB70DBA9567}" type="datetimeFigureOut">
               <a:rPr lang="en-US" dirty="0"/>
               <a:pPr/>
-              <a:t>11/3/2022</a:t>
+              <a:t>11/10/2022</a:t>
             </a:fld>
             <a:endParaRPr lang="en-US" dirty="0"/>
           </a:p>
@@ -5586,8 +5591,8 @@
         </p:nvSpPr>
         <p:spPr>
           <a:xfrm>
-            <a:off x="684212" y="4487332"/>
-            <a:ext cx="11158600" cy="1507067"/>
+            <a:off x="684212" y="275847"/>
+            <a:ext cx="10235322" cy="1227686"/>
           </a:xfrm>
         </p:spPr>
         <p:txBody>
@@ -5669,7 +5674,7 @@
         </p:blipFill>
         <p:spPr>
           <a:xfrm>
-            <a:off x="684212" y="3443055"/>
+            <a:off x="851724" y="3842550"/>
             <a:ext cx="6420692" cy="962575"/>
           </a:xfrm>
         </p:spPr>
@@ -5696,7 +5701,7 @@
         </p:blipFill>
         <p:spPr>
           <a:xfrm>
-            <a:off x="684212" y="1417122"/>
+            <a:off x="851724" y="1896516"/>
             <a:ext cx="7068761" cy="1464354"/>
           </a:xfrm>
           <a:prstGeom prst="rect">
@@ -5704,6 +5709,117 @@
           </a:prstGeom>
         </p:spPr>
       </p:pic>
+      <p:sp>
+        <p:nvSpPr>
+          <p:cNvPr id="3" name="TextBox 2">
+            <a:extLst>
+              <a:ext uri="{FF2B5EF4-FFF2-40B4-BE49-F238E27FC236}">
+                <a16:creationId xmlns:a16="http://schemas.microsoft.com/office/drawing/2014/main" id="{E7E1CA2E-9412-73FC-1275-8B89192A56A2}"/>
+              </a:ext>
+            </a:extLst>
+          </p:cNvPr>
+          <p:cNvSpPr txBox="1"/>
+          <p:nvPr/>
+        </p:nvSpPr>
+        <p:spPr>
+          <a:xfrm>
+            <a:off x="684212" y="5198108"/>
+            <a:ext cx="11158599" cy="523220"/>
+          </a:xfrm>
+          <a:prstGeom prst="rect">
+            <a:avLst/>
+          </a:prstGeom>
+          <a:noFill/>
+        </p:spPr>
+        <p:txBody>
+          <a:bodyPr wrap="square" rtlCol="0">
+            <a:spAutoFit/>
+          </a:bodyPr>
+          <a:lstStyle/>
+          <a:p>
+            <a:r>
+              <a:rPr lang="en-US" sz="2800" dirty="0" err="1"/>
+              <a:t>Như</a:t>
+            </a:r>
+            <a:r>
+              <a:rPr lang="en-US" sz="2800" dirty="0"/>
+              <a:t> </a:t>
+            </a:r>
+            <a:r>
+              <a:rPr lang="en-US" sz="2800" dirty="0" err="1"/>
+              <a:t>vậy</a:t>
+            </a:r>
+            <a:r>
+              <a:rPr lang="en-US" sz="2800" dirty="0"/>
+              <a:t> </a:t>
+            </a:r>
+            <a:r>
+              <a:rPr lang="en-US" sz="2800" dirty="0" err="1"/>
+              <a:t>nếu</a:t>
+            </a:r>
+            <a:r>
+              <a:rPr lang="en-US" sz="2800" dirty="0"/>
+              <a:t> f’(x*) != 0 </a:t>
+            </a:r>
+            <a:r>
+              <a:rPr lang="en-US" sz="2800" dirty="0" err="1"/>
+              <a:t>thì</a:t>
+            </a:r>
+            <a:r>
+              <a:rPr lang="en-US" sz="2800" dirty="0"/>
+              <a:t> </a:t>
+            </a:r>
+            <a:r>
+              <a:rPr lang="en-US" sz="2800" dirty="0" err="1"/>
+              <a:t>phương</a:t>
+            </a:r>
+            <a:r>
+              <a:rPr lang="en-US" sz="2800" dirty="0"/>
+              <a:t> </a:t>
+            </a:r>
+            <a:r>
+              <a:rPr lang="en-US" sz="2800" dirty="0" err="1"/>
+              <a:t>pháp</a:t>
+            </a:r>
+            <a:r>
+              <a:rPr lang="en-US" sz="2800" dirty="0"/>
+              <a:t> Newton </a:t>
+            </a:r>
+            <a:r>
+              <a:rPr lang="en-US" sz="2800" dirty="0" err="1"/>
+              <a:t>sẽ</a:t>
+            </a:r>
+            <a:r>
+              <a:rPr lang="en-US" sz="2800" dirty="0"/>
+              <a:t> </a:t>
+            </a:r>
+            <a:r>
+              <a:rPr lang="en-US" sz="2800" dirty="0" err="1"/>
+              <a:t>hội</a:t>
+            </a:r>
+            <a:r>
+              <a:rPr lang="en-US" sz="2800" dirty="0"/>
+              <a:t> </a:t>
+            </a:r>
+            <a:r>
+              <a:rPr lang="en-US" sz="2800" dirty="0" err="1"/>
+              <a:t>tụ</a:t>
+            </a:r>
+            <a:r>
+              <a:rPr lang="en-US" sz="2800" dirty="0"/>
+              <a:t> </a:t>
+            </a:r>
+            <a:r>
+              <a:rPr lang="en-US" sz="2800" dirty="0" err="1"/>
+              <a:t>bậc</a:t>
+            </a:r>
+            <a:r>
+              <a:rPr lang="en-US" sz="2800" dirty="0"/>
+              <a:t> 2.</a:t>
+            </a:r>
+          </a:p>
+        </p:txBody>
+      </p:sp>
     </p:spTree>
     <p:extLst>
       <p:ext uri="{BB962C8B-B14F-4D97-AF65-F5344CB8AC3E}">
@@ -5853,11 +5969,46 @@
               </a:rPr>
               <a:t>bội</a:t>
             </a:r>
-            <a:endParaRPr lang="en-US" dirty="0">
-              <a:solidFill>
-                <a:schemeClr val="tx1"/>
-              </a:solidFill>
-            </a:endParaRPr>
+            <a:r>
+              <a:rPr lang="en-US" dirty="0">
+                <a:solidFill>
+                  <a:schemeClr val="tx1"/>
+                </a:solidFill>
+              </a:rPr>
+              <a:t>, </a:t>
+            </a:r>
+            <a:r>
+              <a:rPr lang="en-US" dirty="0" err="1">
+                <a:solidFill>
+                  <a:schemeClr val="tx1"/>
+                </a:solidFill>
+              </a:rPr>
+              <a:t>ví</a:t>
+            </a:r>
+            <a:r>
+              <a:rPr lang="en-US" dirty="0">
+                <a:solidFill>
+                  <a:schemeClr val="tx1"/>
+                </a:solidFill>
+              </a:rPr>
+              <a:t> </a:t>
+            </a:r>
+            <a:r>
+              <a:rPr lang="en-US" dirty="0" err="1">
+                <a:solidFill>
+                  <a:schemeClr val="tx1"/>
+                </a:solidFill>
+              </a:rPr>
+              <a:t>dụ</a:t>
+            </a:r>
+            <a:r>
+              <a:rPr lang="en-US" dirty="0">
+                <a:solidFill>
+                  <a:schemeClr val="tx1"/>
+                </a:solidFill>
+              </a:rPr>
+              <a:t> f(x) = (x-1)**3</a:t>
+            </a:r>
           </a:p>
           <a:p>
             <a:endParaRPr lang="en-US" dirty="0">
@@ -5898,6 +6049,125 @@
           </a:prstGeom>
         </p:spPr>
       </p:pic>
+      <p:sp>
+        <p:nvSpPr>
+          <p:cNvPr id="4" name="TextBox 3">
+            <a:extLst>
+              <a:ext uri="{FF2B5EF4-FFF2-40B4-BE49-F238E27FC236}">
+                <a16:creationId xmlns:a16="http://schemas.microsoft.com/office/drawing/2014/main" id="{7C2ECB3A-F1B4-8510-28DA-622941013088}"/>
+              </a:ext>
+            </a:extLst>
+          </p:cNvPr>
+          <p:cNvSpPr txBox="1"/>
+          <p:nvPr/>
+        </p:nvSpPr>
+        <p:spPr>
+          <a:xfrm>
+            <a:off x="867608" y="4012707"/>
+            <a:ext cx="10868672" cy="523220"/>
+          </a:xfrm>
+          <a:prstGeom prst="rect">
+            <a:avLst/>
+          </a:prstGeom>
+          <a:noFill/>
+        </p:spPr>
+        <p:txBody>
+          <a:bodyPr wrap="square" rtlCol="0">
+            <a:spAutoFit/>
+          </a:bodyPr>
+          <a:lstStyle/>
+          <a:p>
+            <a:r>
+              <a:rPr lang="en-US" sz="2800" dirty="0" err="1"/>
+              <a:t>Phương</a:t>
+            </a:r>
+            <a:r>
+              <a:rPr lang="en-US" sz="2800" dirty="0"/>
+              <a:t> </a:t>
+            </a:r>
+            <a:r>
+              <a:rPr lang="en-US" sz="2800" dirty="0" err="1"/>
+              <a:t>pháp</a:t>
+            </a:r>
+            <a:r>
+              <a:rPr lang="en-US" sz="2800" dirty="0"/>
+              <a:t> Newton </a:t>
+            </a:r>
+            <a:r>
+              <a:rPr lang="en-US" sz="2800" dirty="0" err="1"/>
+              <a:t>mở</a:t>
+            </a:r>
+            <a:r>
+              <a:rPr lang="en-US" sz="2800" dirty="0"/>
+              <a:t> </a:t>
+            </a:r>
+            <a:r>
+              <a:rPr lang="en-US" sz="2800" dirty="0" err="1"/>
+              <a:t>rộng</a:t>
+            </a:r>
+            <a:r>
+              <a:rPr lang="en-US" sz="2800" dirty="0"/>
+              <a:t> </a:t>
+            </a:r>
+            <a:r>
+              <a:rPr lang="en-US" sz="2800" dirty="0" err="1"/>
+              <a:t>sẽ</a:t>
+            </a:r>
+            <a:r>
+              <a:rPr lang="en-US" sz="2800" dirty="0"/>
+              <a:t> </a:t>
+            </a:r>
+            <a:r>
+              <a:rPr lang="en-US" sz="2800" dirty="0" err="1"/>
+              <a:t>chỉ</a:t>
+            </a:r>
+            <a:r>
+              <a:rPr lang="en-US" sz="2800" dirty="0"/>
+              <a:t> </a:t>
+            </a:r>
+            <a:r>
+              <a:rPr lang="en-US" sz="2800" dirty="0" err="1"/>
+              <a:t>hội</a:t>
+            </a:r>
+            <a:r>
+              <a:rPr lang="en-US" sz="2800" dirty="0"/>
+              <a:t> </a:t>
+            </a:r>
+            <a:r>
+              <a:rPr lang="en-US" sz="2800" dirty="0" err="1"/>
+              <a:t>tụ</a:t>
+            </a:r>
+            <a:r>
+              <a:rPr lang="en-US" sz="2800" dirty="0"/>
+              <a:t> </a:t>
+            </a:r>
+            <a:r>
+              <a:rPr lang="en-US" sz="2800" dirty="0" err="1"/>
+              <a:t>bậc</a:t>
+            </a:r>
+            <a:r>
+              <a:rPr lang="en-US" sz="2800" dirty="0"/>
+              <a:t> 1 </a:t>
+            </a:r>
+            <a:r>
+              <a:rPr lang="en-US" sz="2800" dirty="0" err="1"/>
+              <a:t>mà</a:t>
+            </a:r>
+            <a:r>
+              <a:rPr lang="en-US" sz="2800" dirty="0"/>
+              <a:t> </a:t>
+            </a:r>
+            <a:r>
+              <a:rPr lang="en-US" sz="2800" dirty="0" err="1"/>
+              <a:t>thôi</a:t>
+            </a:r>
+            <a:r>
+              <a:rPr lang="en-US" sz="2800" dirty="0"/>
+              <a:t>.</a:t>
+            </a:r>
+          </a:p>
+        </p:txBody>
+      </p:sp>
     </p:spTree>
     <p:extLst>
       <p:ext uri="{BB962C8B-B14F-4D97-AF65-F5344CB8AC3E}">
@@ -5944,12 +6214,22 @@
             <p:ph type="title"/>
           </p:nvPr>
         </p:nvSpPr>
-        <p:spPr/>
-        <p:txBody>
-          <a:bodyPr/>
+        <p:spPr>
+          <a:xfrm>
+            <a:off x="684212" y="192759"/>
+            <a:ext cx="5805365" cy="493041"/>
+          </a:xfrm>
+        </p:spPr>
+        <p:txBody>
+          <a:bodyPr>
+            <a:normAutofit fontScale="90000"/>
+          </a:bodyPr>
           <a:lstStyle/>
           <a:p>
-            <a:endParaRPr lang="en-US"/>
+            <a:r>
+              <a:rPr lang="en-US" dirty="0"/>
+              <a:t>Newton fractal (1)</a:t>
+            </a:r>
           </a:p>
         </p:txBody>
       </p:sp>
@@ -5969,19 +6249,1385 @@
             <p:ph idx="1"/>
           </p:nvPr>
         </p:nvSpPr>
-        <p:spPr/>
-        <p:txBody>
-          <a:bodyPr/>
+        <p:spPr>
+          <a:xfrm>
+            <a:off x="713805" y="1118632"/>
+            <a:ext cx="3290024" cy="1633446"/>
+          </a:xfrm>
+        </p:spPr>
+        <p:txBody>
+          <a:bodyPr>
+            <a:normAutofit/>
+          </a:bodyPr>
           <a:lstStyle/>
           <a:p>
-            <a:endParaRPr lang="en-US"/>
-          </a:p>
-        </p:txBody>
-      </p:sp>
+            <a:r>
+              <a:rPr lang="en-US" dirty="0">
+                <a:solidFill>
+                  <a:schemeClr val="tx1"/>
+                </a:solidFill>
+              </a:rPr>
+              <a:t>Newton fractal sinh </a:t>
+            </a:r>
+            <a:r>
+              <a:rPr lang="en-US" dirty="0" err="1">
+                <a:solidFill>
+                  <a:schemeClr val="tx1"/>
+                </a:solidFill>
+              </a:rPr>
+              <a:t>bởi</a:t>
+            </a:r>
+            <a:r>
+              <a:rPr lang="en-US" dirty="0">
+                <a:solidFill>
+                  <a:schemeClr val="tx1"/>
+                </a:solidFill>
+              </a:rPr>
+              <a:t> </a:t>
+            </a:r>
+            <a:r>
+              <a:rPr lang="en-US" dirty="0" err="1">
+                <a:solidFill>
+                  <a:schemeClr val="tx1"/>
+                </a:solidFill>
+              </a:rPr>
+              <a:t>phương</a:t>
+            </a:r>
+            <a:r>
+              <a:rPr lang="en-US" dirty="0">
+                <a:solidFill>
+                  <a:schemeClr val="tx1"/>
+                </a:solidFill>
+              </a:rPr>
+              <a:t> </a:t>
+            </a:r>
+            <a:r>
+              <a:rPr lang="en-US" dirty="0" err="1">
+                <a:solidFill>
+                  <a:schemeClr val="tx1"/>
+                </a:solidFill>
+              </a:rPr>
+              <a:t>pháp</a:t>
+            </a:r>
+            <a:r>
+              <a:rPr lang="en-US" dirty="0">
+                <a:solidFill>
+                  <a:schemeClr val="tx1"/>
+                </a:solidFill>
+              </a:rPr>
+              <a:t> Newton </a:t>
+            </a:r>
+            <a:r>
+              <a:rPr lang="en-US" dirty="0" err="1">
+                <a:solidFill>
+                  <a:schemeClr val="tx1"/>
+                </a:solidFill>
+              </a:rPr>
+              <a:t>cho</a:t>
+            </a:r>
+            <a:r>
+              <a:rPr lang="en-US" dirty="0">
+                <a:solidFill>
+                  <a:schemeClr val="tx1"/>
+                </a:solidFill>
+              </a:rPr>
+              <a:t> </a:t>
+            </a:r>
+            <a:r>
+              <a:rPr lang="en-US" dirty="0" err="1">
+                <a:solidFill>
+                  <a:schemeClr val="tx1"/>
+                </a:solidFill>
+              </a:rPr>
+              <a:t>hàm</a:t>
+            </a:r>
+            <a:r>
+              <a:rPr lang="en-US" dirty="0">
+                <a:solidFill>
+                  <a:schemeClr val="tx1"/>
+                </a:solidFill>
+              </a:rPr>
+              <a:t> f(x) = x**3 − 1.</a:t>
+            </a:r>
+            <a:endParaRPr lang="en-US" dirty="0"/>
+          </a:p>
+          <a:p>
+            <a:endParaRPr lang="en-US" dirty="0"/>
+          </a:p>
+        </p:txBody>
+      </p:sp>
+      <p:pic>
+        <p:nvPicPr>
+          <p:cNvPr id="9" name="Picture 8">
+            <a:extLst>
+              <a:ext uri="{FF2B5EF4-FFF2-40B4-BE49-F238E27FC236}">
+                <a16:creationId xmlns:a16="http://schemas.microsoft.com/office/drawing/2014/main" id="{0F14B97B-05BA-0748-64C3-473889B4EF2C}"/>
+              </a:ext>
+            </a:extLst>
+          </p:cNvPr>
+          <p:cNvPicPr>
+            <a:picLocks noChangeAspect="1"/>
+          </p:cNvPicPr>
+          <p:nvPr/>
+        </p:nvPicPr>
+        <p:blipFill>
+          <a:blip r:embed="rId2"/>
+          <a:stretch>
+            <a:fillRect/>
+          </a:stretch>
+        </p:blipFill>
+        <p:spPr>
+          <a:xfrm>
+            <a:off x="4178422" y="892158"/>
+            <a:ext cx="7510572" cy="5632929"/>
+          </a:xfrm>
+          <a:prstGeom prst="rect">
+            <a:avLst/>
+          </a:prstGeom>
+        </p:spPr>
+      </p:pic>
     </p:spTree>
     <p:extLst>
       <p:ext uri="{BB962C8B-B14F-4D97-AF65-F5344CB8AC3E}">
-        <p14:creationId xmlns:p14="http://schemas.microsoft.com/office/powerpoint/2010/main" val="197270034"/>
+        <p14:creationId xmlns:p14="http://schemas.microsoft.com/office/powerpoint/2010/main" val="826581850"/>
+      </p:ext>
+    </p:extLst>
+  </p:cSld>
+  <p:clrMapOvr>
+    <a:masterClrMapping/>
+  </p:clrMapOvr>
+</p:sld>
+</file>
+
+<file path=ppt/slides/slide13.xml><?xml version="1.0" encoding="utf-8"?>
+<p:sld xmlns:a="http://schemas.openxmlformats.org/drawingml/2006/main" xmlns:r="http://schemas.openxmlformats.org/officeDocument/2006/relationships" xmlns:p="http://schemas.openxmlformats.org/presentationml/2006/main">
+  <p:cSld>
+    <p:spTree>
+      <p:nvGrpSpPr>
+        <p:cNvPr id="1" name=""/>
+        <p:cNvGrpSpPr/>
+        <p:nvPr/>
+      </p:nvGrpSpPr>
+      <p:grpSpPr>
+        <a:xfrm>
+          <a:off x="0" y="0"/>
+          <a:ext cx="0" cy="0"/>
+          <a:chOff x="0" y="0"/>
+          <a:chExt cx="0" cy="0"/>
+        </a:xfrm>
+      </p:grpSpPr>
+      <p:sp>
+        <p:nvSpPr>
+          <p:cNvPr id="2" name="Title 1">
+            <a:extLst>
+              <a:ext uri="{FF2B5EF4-FFF2-40B4-BE49-F238E27FC236}">
+                <a16:creationId xmlns:a16="http://schemas.microsoft.com/office/drawing/2014/main" id="{0B7235D3-6FE8-A4F4-89A3-907FB771ABCD}"/>
+              </a:ext>
+            </a:extLst>
+          </p:cNvPr>
+          <p:cNvSpPr>
+            <a:spLocks noGrp="1"/>
+          </p:cNvSpPr>
+          <p:nvPr>
+            <p:ph type="title"/>
+          </p:nvPr>
+        </p:nvSpPr>
+        <p:spPr>
+          <a:xfrm>
+            <a:off x="684212" y="192759"/>
+            <a:ext cx="5805365" cy="493041"/>
+          </a:xfrm>
+        </p:spPr>
+        <p:txBody>
+          <a:bodyPr>
+            <a:normAutofit fontScale="90000"/>
+          </a:bodyPr>
+          <a:lstStyle/>
+          <a:p>
+            <a:r>
+              <a:rPr lang="en-US" dirty="0"/>
+              <a:t>Newton fractal (2)</a:t>
+            </a:r>
+          </a:p>
+        </p:txBody>
+      </p:sp>
+      <p:sp>
+        <p:nvSpPr>
+          <p:cNvPr id="3" name="Content Placeholder 2">
+            <a:extLst>
+              <a:ext uri="{FF2B5EF4-FFF2-40B4-BE49-F238E27FC236}">
+                <a16:creationId xmlns:a16="http://schemas.microsoft.com/office/drawing/2014/main" id="{CF39014E-E1A6-5F01-1C1A-9E7B1CDBB6CE}"/>
+              </a:ext>
+            </a:extLst>
+          </p:cNvPr>
+          <p:cNvSpPr>
+            <a:spLocks noGrp="1"/>
+          </p:cNvSpPr>
+          <p:nvPr>
+            <p:ph idx="1"/>
+          </p:nvPr>
+        </p:nvSpPr>
+        <p:spPr>
+          <a:xfrm>
+            <a:off x="713805" y="1118632"/>
+            <a:ext cx="3290024" cy="1837632"/>
+          </a:xfrm>
+        </p:spPr>
+        <p:txBody>
+          <a:bodyPr>
+            <a:normAutofit/>
+          </a:bodyPr>
+          <a:lstStyle/>
+          <a:p>
+            <a:r>
+              <a:rPr lang="en-US" dirty="0">
+                <a:solidFill>
+                  <a:schemeClr val="tx1"/>
+                </a:solidFill>
+              </a:rPr>
+              <a:t>Newton fractal sinh </a:t>
+            </a:r>
+            <a:r>
+              <a:rPr lang="en-US" dirty="0" err="1">
+                <a:solidFill>
+                  <a:schemeClr val="tx1"/>
+                </a:solidFill>
+              </a:rPr>
+              <a:t>bởi</a:t>
+            </a:r>
+            <a:r>
+              <a:rPr lang="en-US" dirty="0">
+                <a:solidFill>
+                  <a:schemeClr val="tx1"/>
+                </a:solidFill>
+              </a:rPr>
+              <a:t> </a:t>
+            </a:r>
+            <a:r>
+              <a:rPr lang="en-US" dirty="0" err="1">
+                <a:solidFill>
+                  <a:schemeClr val="tx1"/>
+                </a:solidFill>
+              </a:rPr>
+              <a:t>phương</a:t>
+            </a:r>
+            <a:r>
+              <a:rPr lang="en-US" dirty="0">
+                <a:solidFill>
+                  <a:schemeClr val="tx1"/>
+                </a:solidFill>
+              </a:rPr>
+              <a:t> </a:t>
+            </a:r>
+            <a:r>
+              <a:rPr lang="en-US" dirty="0" err="1">
+                <a:solidFill>
+                  <a:schemeClr val="tx1"/>
+                </a:solidFill>
+              </a:rPr>
+              <a:t>pháp</a:t>
+            </a:r>
+            <a:r>
+              <a:rPr lang="en-US" dirty="0">
+                <a:solidFill>
+                  <a:schemeClr val="tx1"/>
+                </a:solidFill>
+              </a:rPr>
+              <a:t> Newton </a:t>
+            </a:r>
+            <a:r>
+              <a:rPr lang="en-US" dirty="0" err="1">
+                <a:solidFill>
+                  <a:schemeClr val="tx1"/>
+                </a:solidFill>
+              </a:rPr>
+              <a:t>cho</a:t>
+            </a:r>
+            <a:r>
+              <a:rPr lang="en-US" dirty="0">
+                <a:solidFill>
+                  <a:schemeClr val="tx1"/>
+                </a:solidFill>
+              </a:rPr>
+              <a:t> </a:t>
+            </a:r>
+            <a:r>
+              <a:rPr lang="en-US" dirty="0" err="1">
+                <a:solidFill>
+                  <a:schemeClr val="tx1"/>
+                </a:solidFill>
+              </a:rPr>
+              <a:t>hàm</a:t>
+            </a:r>
+            <a:r>
+              <a:rPr lang="en-US" dirty="0">
+                <a:solidFill>
+                  <a:schemeClr val="tx1"/>
+                </a:solidFill>
+              </a:rPr>
+              <a:t>  </a:t>
+            </a:r>
+          </a:p>
+          <a:p>
+            <a:pPr marL="0" indent="0">
+              <a:buNone/>
+            </a:pPr>
+            <a:r>
+              <a:rPr lang="en-US" dirty="0">
+                <a:solidFill>
+                  <a:schemeClr val="tx1"/>
+                </a:solidFill>
+              </a:rPr>
+              <a:t>    f(x) = x**6 + x**3 − 1.</a:t>
+            </a:r>
+          </a:p>
+          <a:p>
+            <a:pPr marL="0" indent="0">
+              <a:buNone/>
+            </a:pPr>
+            <a:endParaRPr lang="en-US" dirty="0"/>
+          </a:p>
+        </p:txBody>
+      </p:sp>
+      <p:pic>
+        <p:nvPicPr>
+          <p:cNvPr id="5" name="Picture 4">
+            <a:extLst>
+              <a:ext uri="{FF2B5EF4-FFF2-40B4-BE49-F238E27FC236}">
+                <a16:creationId xmlns:a16="http://schemas.microsoft.com/office/drawing/2014/main" id="{E4994831-D5EC-09B9-CBA3-2CD9DC0B1B69}"/>
+              </a:ext>
+            </a:extLst>
+          </p:cNvPr>
+          <p:cNvPicPr>
+            <a:picLocks noChangeAspect="1"/>
+          </p:cNvPicPr>
+          <p:nvPr/>
+        </p:nvPicPr>
+        <p:blipFill>
+          <a:blip r:embed="rId2"/>
+          <a:stretch>
+            <a:fillRect/>
+          </a:stretch>
+        </p:blipFill>
+        <p:spPr>
+          <a:xfrm>
+            <a:off x="4190261" y="850367"/>
+            <a:ext cx="7443038" cy="5814874"/>
+          </a:xfrm>
+          <a:prstGeom prst="rect">
+            <a:avLst/>
+          </a:prstGeom>
+        </p:spPr>
+      </p:pic>
+    </p:spTree>
+    <p:extLst>
+      <p:ext uri="{BB962C8B-B14F-4D97-AF65-F5344CB8AC3E}">
+        <p14:creationId xmlns:p14="http://schemas.microsoft.com/office/powerpoint/2010/main" val="1671520949"/>
+      </p:ext>
+    </p:extLst>
+  </p:cSld>
+  <p:clrMapOvr>
+    <a:masterClrMapping/>
+  </p:clrMapOvr>
+</p:sld>
+</file>
+
+<file path=ppt/slides/slide14.xml><?xml version="1.0" encoding="utf-8"?>
+<p:sld xmlns:a="http://schemas.openxmlformats.org/drawingml/2006/main" xmlns:r="http://schemas.openxmlformats.org/officeDocument/2006/relationships" xmlns:p="http://schemas.openxmlformats.org/presentationml/2006/main">
+  <p:cSld>
+    <p:spTree>
+      <p:nvGrpSpPr>
+        <p:cNvPr id="1" name=""/>
+        <p:cNvGrpSpPr/>
+        <p:nvPr/>
+      </p:nvGrpSpPr>
+      <p:grpSpPr>
+        <a:xfrm>
+          <a:off x="0" y="0"/>
+          <a:ext cx="0" cy="0"/>
+          <a:chOff x="0" y="0"/>
+          <a:chExt cx="0" cy="0"/>
+        </a:xfrm>
+      </p:grpSpPr>
+      <p:sp>
+        <p:nvSpPr>
+          <p:cNvPr id="2" name="Title 1">
+            <a:extLst>
+              <a:ext uri="{FF2B5EF4-FFF2-40B4-BE49-F238E27FC236}">
+                <a16:creationId xmlns:a16="http://schemas.microsoft.com/office/drawing/2014/main" id="{0B7235D3-6FE8-A4F4-89A3-907FB771ABCD}"/>
+              </a:ext>
+            </a:extLst>
+          </p:cNvPr>
+          <p:cNvSpPr>
+            <a:spLocks noGrp="1"/>
+          </p:cNvSpPr>
+          <p:nvPr>
+            <p:ph type="title"/>
+          </p:nvPr>
+        </p:nvSpPr>
+        <p:spPr>
+          <a:xfrm>
+            <a:off x="684212" y="192759"/>
+            <a:ext cx="5805365" cy="493041"/>
+          </a:xfrm>
+        </p:spPr>
+        <p:txBody>
+          <a:bodyPr>
+            <a:normAutofit fontScale="90000"/>
+          </a:bodyPr>
+          <a:lstStyle/>
+          <a:p>
+            <a:r>
+              <a:rPr lang="en-US" dirty="0"/>
+              <a:t>Newton fractal (2)</a:t>
+            </a:r>
+          </a:p>
+        </p:txBody>
+      </p:sp>
+      <p:sp>
+        <p:nvSpPr>
+          <p:cNvPr id="3" name="Content Placeholder 2">
+            <a:extLst>
+              <a:ext uri="{FF2B5EF4-FFF2-40B4-BE49-F238E27FC236}">
+                <a16:creationId xmlns:a16="http://schemas.microsoft.com/office/drawing/2014/main" id="{CF39014E-E1A6-5F01-1C1A-9E7B1CDBB6CE}"/>
+              </a:ext>
+            </a:extLst>
+          </p:cNvPr>
+          <p:cNvSpPr>
+            <a:spLocks noGrp="1"/>
+          </p:cNvSpPr>
+          <p:nvPr>
+            <p:ph idx="1"/>
+          </p:nvPr>
+        </p:nvSpPr>
+        <p:spPr>
+          <a:xfrm>
+            <a:off x="713804" y="1118631"/>
+            <a:ext cx="4364223" cy="2725399"/>
+          </a:xfrm>
+        </p:spPr>
+        <p:txBody>
+          <a:bodyPr>
+            <a:normAutofit fontScale="25000" lnSpcReduction="20000"/>
+          </a:bodyPr>
+          <a:lstStyle/>
+          <a:p>
+            <a:pPr>
+              <a:buFont typeface="Wingdings" panose="05000000000000000000" pitchFamily="2" charset="2"/>
+              <a:buChar char="Ø"/>
+            </a:pPr>
+            <a:r>
+              <a:rPr lang="en-US" sz="8000" dirty="0">
+                <a:solidFill>
+                  <a:schemeClr val="tx1"/>
+                </a:solidFill>
+              </a:rPr>
+              <a:t>Newton fractal sinh </a:t>
+            </a:r>
+            <a:r>
+              <a:rPr lang="en-US" sz="8000" dirty="0" err="1">
+                <a:solidFill>
+                  <a:schemeClr val="tx1"/>
+                </a:solidFill>
+              </a:rPr>
+              <a:t>bởi</a:t>
+            </a:r>
+            <a:r>
+              <a:rPr lang="en-US" sz="8000" dirty="0">
+                <a:solidFill>
+                  <a:schemeClr val="tx1"/>
+                </a:solidFill>
+              </a:rPr>
+              <a:t> </a:t>
+            </a:r>
+            <a:r>
+              <a:rPr lang="en-US" sz="8000" dirty="0" err="1">
+                <a:solidFill>
+                  <a:schemeClr val="tx1"/>
+                </a:solidFill>
+              </a:rPr>
+              <a:t>phương</a:t>
+            </a:r>
+            <a:r>
+              <a:rPr lang="en-US" sz="8000" dirty="0">
+                <a:solidFill>
+                  <a:schemeClr val="tx1"/>
+                </a:solidFill>
+              </a:rPr>
+              <a:t> 	</a:t>
+            </a:r>
+            <a:r>
+              <a:rPr lang="en-US" sz="8000" dirty="0" err="1">
+                <a:solidFill>
+                  <a:schemeClr val="tx1"/>
+                </a:solidFill>
+              </a:rPr>
+              <a:t>pháp</a:t>
+            </a:r>
+            <a:r>
+              <a:rPr lang="en-US" sz="8000" dirty="0">
+                <a:solidFill>
+                  <a:schemeClr val="tx1"/>
+                </a:solidFill>
+              </a:rPr>
+              <a:t> Newton </a:t>
+            </a:r>
+            <a:r>
+              <a:rPr lang="en-US" sz="8000" dirty="0" err="1">
+                <a:solidFill>
+                  <a:schemeClr val="tx1"/>
+                </a:solidFill>
+              </a:rPr>
+              <a:t>cho</a:t>
+            </a:r>
+            <a:r>
+              <a:rPr lang="en-US" sz="8000" dirty="0">
+                <a:solidFill>
+                  <a:schemeClr val="tx1"/>
+                </a:solidFill>
+              </a:rPr>
+              <a:t> </a:t>
+            </a:r>
+            <a:r>
+              <a:rPr lang="en-US" sz="8000" dirty="0" err="1">
+                <a:solidFill>
+                  <a:schemeClr val="tx1"/>
+                </a:solidFill>
+              </a:rPr>
+              <a:t>hàm</a:t>
+            </a:r>
+            <a:r>
+              <a:rPr lang="en-US" sz="8000" dirty="0">
+                <a:solidFill>
+                  <a:schemeClr val="tx1"/>
+                </a:solidFill>
+              </a:rPr>
+              <a:t>  </a:t>
+            </a:r>
+          </a:p>
+          <a:p>
+            <a:pPr marL="0" indent="0">
+              <a:buNone/>
+            </a:pPr>
+            <a:r>
+              <a:rPr lang="en-US" sz="8000" dirty="0">
+                <a:solidFill>
+                  <a:schemeClr val="tx1"/>
+                </a:solidFill>
+              </a:rPr>
+              <a:t>    	 f(x) = x**3 – 2 * x + 2.</a:t>
+            </a:r>
+          </a:p>
+          <a:p>
+            <a:pPr>
+              <a:buFont typeface="Wingdings" panose="05000000000000000000" pitchFamily="2" charset="2"/>
+              <a:buChar char="Ø"/>
+            </a:pPr>
+            <a:endParaRPr lang="en-US" sz="8000" dirty="0">
+              <a:solidFill>
+                <a:schemeClr val="tx1"/>
+              </a:solidFill>
+            </a:endParaRPr>
+          </a:p>
+          <a:p>
+            <a:pPr>
+              <a:buFont typeface="Wingdings" panose="05000000000000000000" pitchFamily="2" charset="2"/>
+              <a:buChar char="Ø"/>
+            </a:pPr>
+            <a:r>
+              <a:rPr lang="en-US" sz="8000" dirty="0" err="1">
+                <a:solidFill>
+                  <a:schemeClr val="tx1"/>
+                </a:solidFill>
+              </a:rPr>
+              <a:t>Các</a:t>
+            </a:r>
+            <a:r>
+              <a:rPr lang="en-US" sz="8000" dirty="0">
+                <a:solidFill>
+                  <a:schemeClr val="tx1"/>
+                </a:solidFill>
+              </a:rPr>
+              <a:t> </a:t>
+            </a:r>
+            <a:r>
+              <a:rPr lang="en-US" sz="8000" dirty="0" err="1">
+                <a:solidFill>
+                  <a:schemeClr val="tx1"/>
+                </a:solidFill>
+              </a:rPr>
+              <a:t>điểm</a:t>
+            </a:r>
+            <a:r>
+              <a:rPr lang="en-US" sz="8000" dirty="0">
+                <a:solidFill>
+                  <a:schemeClr val="tx1"/>
+                </a:solidFill>
+              </a:rPr>
+              <a:t> </a:t>
+            </a:r>
+            <a:r>
+              <a:rPr lang="en-US" sz="8000" dirty="0" err="1">
+                <a:solidFill>
+                  <a:schemeClr val="tx1"/>
+                </a:solidFill>
+              </a:rPr>
+              <a:t>đỏ</a:t>
+            </a:r>
+            <a:r>
+              <a:rPr lang="en-US" sz="8000" dirty="0">
+                <a:solidFill>
+                  <a:schemeClr val="tx1"/>
+                </a:solidFill>
+              </a:rPr>
+              <a:t> </a:t>
+            </a:r>
+            <a:r>
+              <a:rPr lang="en-US" sz="8000" dirty="0" err="1">
+                <a:solidFill>
+                  <a:schemeClr val="tx1"/>
+                </a:solidFill>
+              </a:rPr>
+              <a:t>là</a:t>
+            </a:r>
+            <a:r>
+              <a:rPr lang="en-US" sz="8000" dirty="0">
+                <a:solidFill>
+                  <a:schemeClr val="tx1"/>
+                </a:solidFill>
+              </a:rPr>
+              <a:t> </a:t>
+            </a:r>
+            <a:r>
+              <a:rPr lang="en-US" sz="8000" dirty="0" err="1">
+                <a:solidFill>
+                  <a:schemeClr val="tx1"/>
+                </a:solidFill>
+              </a:rPr>
+              <a:t>các</a:t>
+            </a:r>
+            <a:r>
+              <a:rPr lang="en-US" sz="8000" dirty="0">
+                <a:solidFill>
+                  <a:schemeClr val="tx1"/>
+                </a:solidFill>
+              </a:rPr>
+              <a:t> </a:t>
+            </a:r>
+            <a:r>
+              <a:rPr lang="en-US" sz="8000" dirty="0" err="1">
+                <a:solidFill>
+                  <a:schemeClr val="tx1"/>
+                </a:solidFill>
+              </a:rPr>
+              <a:t>điều</a:t>
+            </a:r>
+            <a:r>
+              <a:rPr lang="en-US" sz="8000" dirty="0">
+                <a:solidFill>
+                  <a:schemeClr val="tx1"/>
+                </a:solidFill>
+              </a:rPr>
+              <a:t> </a:t>
+            </a:r>
+            <a:r>
+              <a:rPr lang="en-US" sz="8000" dirty="0" err="1">
+                <a:solidFill>
+                  <a:schemeClr val="tx1"/>
+                </a:solidFill>
+              </a:rPr>
+              <a:t>kiện</a:t>
+            </a:r>
+            <a:r>
+              <a:rPr lang="en-US" sz="8000" dirty="0">
+                <a:solidFill>
+                  <a:schemeClr val="tx1"/>
+                </a:solidFill>
+              </a:rPr>
+              <a:t> ban </a:t>
+            </a:r>
+          </a:p>
+          <a:p>
+            <a:pPr marL="0" indent="0">
+              <a:buNone/>
+            </a:pPr>
+            <a:r>
+              <a:rPr lang="en-US" sz="8000" dirty="0">
+                <a:solidFill>
+                  <a:schemeClr val="tx1"/>
+                </a:solidFill>
+              </a:rPr>
+              <a:t>     	đầu x_0 </a:t>
+            </a:r>
+            <a:r>
+              <a:rPr lang="en-US" sz="8000" dirty="0" err="1">
+                <a:solidFill>
+                  <a:schemeClr val="tx1"/>
+                </a:solidFill>
+              </a:rPr>
+              <a:t>mà</a:t>
+            </a:r>
+            <a:r>
+              <a:rPr lang="en-US" sz="8000" dirty="0">
+                <a:solidFill>
+                  <a:schemeClr val="tx1"/>
+                </a:solidFill>
+              </a:rPr>
+              <a:t> </a:t>
+            </a:r>
+            <a:r>
+              <a:rPr lang="en-US" sz="8000" dirty="0" err="1">
+                <a:solidFill>
+                  <a:schemeClr val="tx1"/>
+                </a:solidFill>
+              </a:rPr>
+              <a:t>tại</a:t>
+            </a:r>
+            <a:r>
+              <a:rPr lang="en-US" sz="8000" dirty="0">
+                <a:solidFill>
+                  <a:schemeClr val="tx1"/>
+                </a:solidFill>
+              </a:rPr>
+              <a:t> </a:t>
+            </a:r>
+            <a:r>
+              <a:rPr lang="en-US" sz="8000" dirty="0" err="1">
+                <a:solidFill>
+                  <a:schemeClr val="tx1"/>
+                </a:solidFill>
+              </a:rPr>
+              <a:t>đó</a:t>
+            </a:r>
+            <a:r>
+              <a:rPr lang="en-US" sz="8000" dirty="0">
+                <a:solidFill>
+                  <a:schemeClr val="tx1"/>
+                </a:solidFill>
+              </a:rPr>
+              <a:t> </a:t>
+            </a:r>
+            <a:r>
+              <a:rPr lang="en-US" sz="8000" dirty="0" err="1">
+                <a:solidFill>
+                  <a:schemeClr val="tx1"/>
+                </a:solidFill>
+              </a:rPr>
+              <a:t>phương</a:t>
+            </a:r>
+            <a:r>
+              <a:rPr lang="en-US" sz="8000" dirty="0">
+                <a:solidFill>
+                  <a:schemeClr val="tx1"/>
+                </a:solidFill>
+              </a:rPr>
+              <a:t> </a:t>
+            </a:r>
+            <a:r>
+              <a:rPr lang="en-US" sz="8000" dirty="0" err="1">
+                <a:solidFill>
+                  <a:schemeClr val="tx1"/>
+                </a:solidFill>
+              </a:rPr>
+              <a:t>pháp</a:t>
+            </a:r>
+            <a:r>
+              <a:rPr lang="en-US" sz="8000" dirty="0">
+                <a:solidFill>
+                  <a:schemeClr val="tx1"/>
+                </a:solidFill>
+              </a:rPr>
+              <a:t>  	Newton </a:t>
+            </a:r>
+            <a:r>
+              <a:rPr lang="en-US" sz="8000" dirty="0" err="1">
+                <a:solidFill>
+                  <a:schemeClr val="tx1"/>
+                </a:solidFill>
+              </a:rPr>
+              <a:t>không</a:t>
+            </a:r>
+            <a:r>
+              <a:rPr lang="en-US" sz="8000" dirty="0">
+                <a:solidFill>
+                  <a:schemeClr val="tx1"/>
+                </a:solidFill>
+              </a:rPr>
+              <a:t> </a:t>
+            </a:r>
+            <a:r>
+              <a:rPr lang="en-US" sz="8000" dirty="0" err="1">
+                <a:solidFill>
+                  <a:schemeClr val="tx1"/>
+                </a:solidFill>
+              </a:rPr>
+              <a:t>hội</a:t>
+            </a:r>
+            <a:r>
+              <a:rPr lang="en-US" sz="8000" dirty="0">
+                <a:solidFill>
+                  <a:schemeClr val="tx1"/>
+                </a:solidFill>
+              </a:rPr>
+              <a:t> </a:t>
+            </a:r>
+            <a:r>
+              <a:rPr lang="en-US" sz="8000" dirty="0" err="1">
+                <a:solidFill>
+                  <a:schemeClr val="tx1"/>
+                </a:solidFill>
+              </a:rPr>
+              <a:t>tụ</a:t>
+            </a:r>
+            <a:r>
+              <a:rPr lang="en-US" sz="8000" dirty="0">
+                <a:solidFill>
+                  <a:schemeClr val="tx1"/>
+                </a:solidFill>
+              </a:rPr>
+              <a:t>.</a:t>
+            </a:r>
+          </a:p>
+          <a:p>
+            <a:pPr marL="0" indent="0">
+              <a:buNone/>
+            </a:pPr>
+            <a:endParaRPr lang="en-US" dirty="0"/>
+          </a:p>
+        </p:txBody>
+      </p:sp>
+      <p:pic>
+        <p:nvPicPr>
+          <p:cNvPr id="6" name="Picture 5">
+            <a:extLst>
+              <a:ext uri="{FF2B5EF4-FFF2-40B4-BE49-F238E27FC236}">
+                <a16:creationId xmlns:a16="http://schemas.microsoft.com/office/drawing/2014/main" id="{3F239480-816E-517F-F969-003E069124CE}"/>
+              </a:ext>
+            </a:extLst>
+          </p:cNvPr>
+          <p:cNvPicPr>
+            <a:picLocks noChangeAspect="1"/>
+          </p:cNvPicPr>
+          <p:nvPr/>
+        </p:nvPicPr>
+        <p:blipFill>
+          <a:blip r:embed="rId2"/>
+          <a:stretch>
+            <a:fillRect/>
+          </a:stretch>
+        </p:blipFill>
+        <p:spPr>
+          <a:xfrm>
+            <a:off x="5410308" y="510300"/>
+            <a:ext cx="6067887" cy="6067887"/>
+          </a:xfrm>
+          <a:prstGeom prst="rect">
+            <a:avLst/>
+          </a:prstGeom>
+        </p:spPr>
+      </p:pic>
+    </p:spTree>
+    <p:extLst>
+      <p:ext uri="{BB962C8B-B14F-4D97-AF65-F5344CB8AC3E}">
+        <p14:creationId xmlns:p14="http://schemas.microsoft.com/office/powerpoint/2010/main" val="447066204"/>
+      </p:ext>
+    </p:extLst>
+  </p:cSld>
+  <p:clrMapOvr>
+    <a:masterClrMapping/>
+  </p:clrMapOvr>
+</p:sld>
+</file>
+
+<file path=ppt/slides/slide15.xml><?xml version="1.0" encoding="utf-8"?>
+<p:sld xmlns:a="http://schemas.openxmlformats.org/drawingml/2006/main" xmlns:r="http://schemas.openxmlformats.org/officeDocument/2006/relationships" xmlns:p="http://schemas.openxmlformats.org/presentationml/2006/main">
+  <p:cSld>
+    <p:spTree>
+      <p:nvGrpSpPr>
+        <p:cNvPr id="1" name=""/>
+        <p:cNvGrpSpPr/>
+        <p:nvPr/>
+      </p:nvGrpSpPr>
+      <p:grpSpPr>
+        <a:xfrm>
+          <a:off x="0" y="0"/>
+          <a:ext cx="0" cy="0"/>
+          <a:chOff x="0" y="0"/>
+          <a:chExt cx="0" cy="0"/>
+        </a:xfrm>
+      </p:grpSpPr>
+      <p:pic>
+        <p:nvPicPr>
+          <p:cNvPr id="5" name="Content Placeholder 4">
+            <a:extLst>
+              <a:ext uri="{FF2B5EF4-FFF2-40B4-BE49-F238E27FC236}">
+                <a16:creationId xmlns:a16="http://schemas.microsoft.com/office/drawing/2014/main" id="{F898E251-0E5C-6068-E942-ACD85B17D1BD}"/>
+              </a:ext>
+            </a:extLst>
+          </p:cNvPr>
+          <p:cNvPicPr>
+            <a:picLocks noGrp="1" noChangeAspect="1"/>
+          </p:cNvPicPr>
+          <p:nvPr>
+            <p:ph idx="1"/>
+          </p:nvPr>
+        </p:nvPicPr>
+        <p:blipFill>
+          <a:blip r:embed="rId2"/>
+          <a:stretch>
+            <a:fillRect/>
+          </a:stretch>
+        </p:blipFill>
+        <p:spPr>
+          <a:xfrm>
+            <a:off x="1579703" y="1046455"/>
+            <a:ext cx="9032594" cy="5682818"/>
+          </a:xfrm>
+        </p:spPr>
+      </p:pic>
+      <p:sp>
+        <p:nvSpPr>
+          <p:cNvPr id="6" name="TextBox 5">
+            <a:extLst>
+              <a:ext uri="{FF2B5EF4-FFF2-40B4-BE49-F238E27FC236}">
+                <a16:creationId xmlns:a16="http://schemas.microsoft.com/office/drawing/2014/main" id="{DFC30DD7-D5D1-63E7-6AC3-E009AA678DF8}"/>
+              </a:ext>
+            </a:extLst>
+          </p:cNvPr>
+          <p:cNvSpPr txBox="1"/>
+          <p:nvPr/>
+        </p:nvSpPr>
+        <p:spPr>
+          <a:xfrm>
+            <a:off x="3497803" y="261892"/>
+            <a:ext cx="5708341" cy="553998"/>
+          </a:xfrm>
+          <a:prstGeom prst="rect">
+            <a:avLst/>
+          </a:prstGeom>
+          <a:noFill/>
+        </p:spPr>
+        <p:txBody>
+          <a:bodyPr wrap="square" rtlCol="0">
+            <a:spAutoFit/>
+          </a:bodyPr>
+          <a:lstStyle/>
+          <a:p>
+            <a:r>
+              <a:rPr lang="en-US" sz="3000" dirty="0"/>
+              <a:t>FIXED POINT ITERATION (1)</a:t>
+            </a:r>
+          </a:p>
+        </p:txBody>
+      </p:sp>
+    </p:spTree>
+    <p:extLst>
+      <p:ext uri="{BB962C8B-B14F-4D97-AF65-F5344CB8AC3E}">
+        <p14:creationId xmlns:p14="http://schemas.microsoft.com/office/powerpoint/2010/main" val="2537058822"/>
+      </p:ext>
+    </p:extLst>
+  </p:cSld>
+  <p:clrMapOvr>
+    <a:masterClrMapping/>
+  </p:clrMapOvr>
+</p:sld>
+</file>
+
+<file path=ppt/slides/slide16.xml><?xml version="1.0" encoding="utf-8"?>
+<p:sld xmlns:a="http://schemas.openxmlformats.org/drawingml/2006/main" xmlns:r="http://schemas.openxmlformats.org/officeDocument/2006/relationships" xmlns:p="http://schemas.openxmlformats.org/presentationml/2006/main">
+  <p:cSld>
+    <p:spTree>
+      <p:nvGrpSpPr>
+        <p:cNvPr id="1" name=""/>
+        <p:cNvGrpSpPr/>
+        <p:nvPr/>
+      </p:nvGrpSpPr>
+      <p:grpSpPr>
+        <a:xfrm>
+          <a:off x="0" y="0"/>
+          <a:ext cx="0" cy="0"/>
+          <a:chOff x="0" y="0"/>
+          <a:chExt cx="0" cy="0"/>
+        </a:xfrm>
+      </p:grpSpPr>
+      <p:pic>
+        <p:nvPicPr>
+          <p:cNvPr id="5" name="Picture 4">
+            <a:extLst>
+              <a:ext uri="{FF2B5EF4-FFF2-40B4-BE49-F238E27FC236}">
+                <a16:creationId xmlns:a16="http://schemas.microsoft.com/office/drawing/2014/main" id="{7D9F83A3-48C7-969C-97DF-32271C8C577C}"/>
+              </a:ext>
+            </a:extLst>
+          </p:cNvPr>
+          <p:cNvPicPr>
+            <a:picLocks noChangeAspect="1"/>
+          </p:cNvPicPr>
+          <p:nvPr/>
+        </p:nvPicPr>
+        <p:blipFill>
+          <a:blip r:embed="rId2"/>
+          <a:stretch>
+            <a:fillRect/>
+          </a:stretch>
+        </p:blipFill>
+        <p:spPr>
+          <a:xfrm>
+            <a:off x="1113267" y="1009996"/>
+            <a:ext cx="9566568" cy="4056771"/>
+          </a:xfrm>
+          <a:prstGeom prst="rect">
+            <a:avLst/>
+          </a:prstGeom>
+        </p:spPr>
+      </p:pic>
+      <p:sp>
+        <p:nvSpPr>
+          <p:cNvPr id="7" name="TextBox 6">
+            <a:extLst>
+              <a:ext uri="{FF2B5EF4-FFF2-40B4-BE49-F238E27FC236}">
+                <a16:creationId xmlns:a16="http://schemas.microsoft.com/office/drawing/2014/main" id="{52711753-B5EE-6440-5109-7C37B093D231}"/>
+              </a:ext>
+            </a:extLst>
+          </p:cNvPr>
+          <p:cNvSpPr txBox="1"/>
+          <p:nvPr/>
+        </p:nvSpPr>
+        <p:spPr>
+          <a:xfrm>
+            <a:off x="1113267" y="5465115"/>
+            <a:ext cx="9566568" cy="1200329"/>
+          </a:xfrm>
+          <a:prstGeom prst="rect">
+            <a:avLst/>
+          </a:prstGeom>
+          <a:noFill/>
+        </p:spPr>
+        <p:txBody>
+          <a:bodyPr wrap="square" rtlCol="0">
+            <a:spAutoFit/>
+          </a:bodyPr>
+          <a:lstStyle/>
+          <a:p>
+            <a:r>
+              <a:rPr lang="en-US" sz="2400" dirty="0" err="1"/>
+              <a:t>Như</a:t>
+            </a:r>
+            <a:r>
+              <a:rPr lang="en-US" sz="2400" dirty="0"/>
+              <a:t> </a:t>
+            </a:r>
+            <a:r>
+              <a:rPr lang="en-US" sz="2400" dirty="0" err="1"/>
+              <a:t>vậy</a:t>
+            </a:r>
+            <a:r>
+              <a:rPr lang="en-US" sz="2400" dirty="0"/>
+              <a:t> ở </a:t>
+            </a:r>
+            <a:r>
+              <a:rPr lang="en-US" sz="2400" dirty="0" err="1"/>
+              <a:t>đây</a:t>
+            </a:r>
+            <a:r>
+              <a:rPr lang="en-US" sz="2400" dirty="0"/>
+              <a:t> có 2 </a:t>
+            </a:r>
+            <a:r>
+              <a:rPr lang="en-US" sz="2400" dirty="0" err="1"/>
+              <a:t>tính</a:t>
+            </a:r>
+            <a:r>
+              <a:rPr lang="en-US" sz="2400" dirty="0"/>
+              <a:t> </a:t>
+            </a:r>
+            <a:r>
+              <a:rPr lang="en-US" sz="2400" dirty="0" err="1"/>
+              <a:t>chất</a:t>
+            </a:r>
+            <a:r>
+              <a:rPr lang="en-US" sz="2400" dirty="0"/>
+              <a:t> </a:t>
+            </a:r>
+            <a:r>
+              <a:rPr lang="en-US" sz="2400" dirty="0" err="1"/>
+              <a:t>quan</a:t>
+            </a:r>
+            <a:r>
+              <a:rPr lang="en-US" sz="2400" dirty="0"/>
+              <a:t> </a:t>
+            </a:r>
+            <a:r>
+              <a:rPr lang="en-US" sz="2400" dirty="0" err="1"/>
+              <a:t>trọng</a:t>
+            </a:r>
+            <a:r>
+              <a:rPr lang="en-US" sz="2400" dirty="0"/>
+              <a:t> </a:t>
+            </a:r>
+            <a:r>
+              <a:rPr lang="en-US" sz="2400" dirty="0" err="1"/>
+              <a:t>phải</a:t>
+            </a:r>
+            <a:r>
+              <a:rPr lang="en-US" sz="2400" dirty="0"/>
+              <a:t> </a:t>
+            </a:r>
+            <a:r>
+              <a:rPr lang="en-US" sz="2400" dirty="0" err="1"/>
+              <a:t>kiểm</a:t>
+            </a:r>
+            <a:r>
+              <a:rPr lang="en-US" sz="2400" dirty="0"/>
+              <a:t> tra (</a:t>
+            </a:r>
+            <a:r>
+              <a:rPr lang="en-US" sz="2400" dirty="0" err="1"/>
+              <a:t>ntn</a:t>
+            </a:r>
+            <a:r>
+              <a:rPr lang="en-US" sz="2400" dirty="0"/>
+              <a:t>?)</a:t>
+            </a:r>
+          </a:p>
+          <a:p>
+            <a:pPr marL="342900" indent="-342900">
+              <a:buAutoNum type="arabicPeriod"/>
+            </a:pPr>
+            <a:r>
+              <a:rPr lang="en-US" sz="2400" dirty="0" err="1"/>
+              <a:t>Tính</a:t>
+            </a:r>
+            <a:r>
+              <a:rPr lang="en-US" sz="2400" dirty="0"/>
+              <a:t> </a:t>
+            </a:r>
+            <a:r>
+              <a:rPr lang="en-US" sz="2400" dirty="0" err="1"/>
+              <a:t>chất</a:t>
+            </a:r>
+            <a:r>
+              <a:rPr lang="en-US" sz="2400" dirty="0"/>
+              <a:t> </a:t>
+            </a:r>
+            <a:r>
+              <a:rPr lang="en-US" sz="2400" dirty="0" err="1"/>
+              <a:t>tự</a:t>
+            </a:r>
+            <a:r>
+              <a:rPr lang="en-US" sz="2400" dirty="0"/>
+              <a:t> </a:t>
+            </a:r>
+            <a:r>
+              <a:rPr lang="en-US" sz="2400" dirty="0" err="1"/>
+              <a:t>ánh</a:t>
+            </a:r>
+            <a:r>
+              <a:rPr lang="en-US" sz="2400" dirty="0"/>
+              <a:t>, </a:t>
+            </a:r>
+            <a:r>
+              <a:rPr lang="en-US" sz="2400" dirty="0" err="1"/>
+              <a:t>tức</a:t>
+            </a:r>
+            <a:r>
+              <a:rPr lang="en-US" sz="2400" dirty="0"/>
+              <a:t> </a:t>
+            </a:r>
+            <a:r>
+              <a:rPr lang="en-US" sz="2400" dirty="0" err="1"/>
+              <a:t>là</a:t>
+            </a:r>
+            <a:r>
+              <a:rPr lang="en-US" sz="2400" dirty="0"/>
+              <a:t> g </a:t>
+            </a:r>
+            <a:r>
+              <a:rPr lang="en-US" sz="2400" dirty="0" err="1"/>
+              <a:t>đi</a:t>
+            </a:r>
+            <a:r>
+              <a:rPr lang="en-US" sz="2400" dirty="0"/>
+              <a:t> </a:t>
+            </a:r>
+            <a:r>
+              <a:rPr lang="en-US" sz="2400" dirty="0" err="1"/>
+              <a:t>từ</a:t>
+            </a:r>
+            <a:r>
+              <a:rPr lang="en-US" sz="2400" dirty="0"/>
+              <a:t> [</a:t>
+            </a:r>
+            <a:r>
+              <a:rPr lang="en-US" sz="2400" dirty="0" err="1"/>
+              <a:t>a,b</a:t>
+            </a:r>
+            <a:r>
+              <a:rPr lang="en-US" sz="2400" dirty="0"/>
+              <a:t>] vào [</a:t>
+            </a:r>
+            <a:r>
+              <a:rPr lang="en-US" sz="2400" dirty="0" err="1"/>
+              <a:t>a,b</a:t>
+            </a:r>
+            <a:r>
+              <a:rPr lang="en-US" sz="2400" dirty="0"/>
+              <a:t>]</a:t>
+            </a:r>
+          </a:p>
+          <a:p>
+            <a:pPr marL="342900" indent="-342900">
+              <a:buAutoNum type="arabicPeriod"/>
+            </a:pPr>
+            <a:r>
+              <a:rPr lang="en-US" sz="2400" dirty="0" err="1"/>
+              <a:t>Tính</a:t>
+            </a:r>
+            <a:r>
+              <a:rPr lang="en-US" sz="2400" dirty="0"/>
+              <a:t> </a:t>
+            </a:r>
+            <a:r>
+              <a:rPr lang="en-US" sz="2400" dirty="0" err="1"/>
+              <a:t>chất</a:t>
+            </a:r>
+            <a:r>
+              <a:rPr lang="en-US" sz="2400" dirty="0"/>
+              <a:t> co, </a:t>
+            </a:r>
+            <a:r>
+              <a:rPr lang="en-US" sz="2400" dirty="0" err="1"/>
+              <a:t>tức</a:t>
+            </a:r>
+            <a:r>
+              <a:rPr lang="en-US" sz="2400" dirty="0"/>
+              <a:t> </a:t>
+            </a:r>
+            <a:r>
+              <a:rPr lang="en-US" sz="2400" dirty="0" err="1"/>
+              <a:t>là</a:t>
+            </a:r>
+            <a:r>
+              <a:rPr lang="en-US" sz="2400" dirty="0"/>
+              <a:t> </a:t>
+            </a:r>
+            <a:r>
+              <a:rPr lang="en-US" sz="2400" dirty="0" err="1"/>
+              <a:t>điều</a:t>
+            </a:r>
+            <a:r>
+              <a:rPr lang="en-US" sz="2400" dirty="0"/>
+              <a:t> </a:t>
+            </a:r>
+            <a:r>
+              <a:rPr lang="en-US" sz="2400" dirty="0" err="1"/>
+              <a:t>kiện</a:t>
+            </a:r>
+            <a:r>
+              <a:rPr lang="en-US" sz="2400" dirty="0"/>
+              <a:t> (3.4).</a:t>
+            </a:r>
+          </a:p>
+        </p:txBody>
+      </p:sp>
+      <p:sp>
+        <p:nvSpPr>
+          <p:cNvPr id="9" name="TextBox 8">
+            <a:extLst>
+              <a:ext uri="{FF2B5EF4-FFF2-40B4-BE49-F238E27FC236}">
+                <a16:creationId xmlns:a16="http://schemas.microsoft.com/office/drawing/2014/main" id="{10792F68-73DB-0A3B-3E89-35E646F056E8}"/>
+              </a:ext>
+            </a:extLst>
+          </p:cNvPr>
+          <p:cNvSpPr txBox="1"/>
+          <p:nvPr/>
+        </p:nvSpPr>
+        <p:spPr>
+          <a:xfrm>
+            <a:off x="3042082" y="344306"/>
+            <a:ext cx="6107836" cy="553998"/>
+          </a:xfrm>
+          <a:prstGeom prst="rect">
+            <a:avLst/>
+          </a:prstGeom>
+          <a:noFill/>
+        </p:spPr>
+        <p:txBody>
+          <a:bodyPr wrap="square">
+            <a:spAutoFit/>
+          </a:bodyPr>
+          <a:lstStyle/>
+          <a:p>
+            <a:r>
+              <a:rPr lang="en-US" sz="3000" dirty="0"/>
+              <a:t>FIXED POINT ITERATION (2)</a:t>
+            </a:r>
+          </a:p>
+        </p:txBody>
+      </p:sp>
+    </p:spTree>
+    <p:extLst>
+      <p:ext uri="{BB962C8B-B14F-4D97-AF65-F5344CB8AC3E}">
+        <p14:creationId xmlns:p14="http://schemas.microsoft.com/office/powerpoint/2010/main" val="4106092428"/>
+      </p:ext>
+    </p:extLst>
+  </p:cSld>
+  <p:clrMapOvr>
+    <a:masterClrMapping/>
+  </p:clrMapOvr>
+</p:sld>
+</file>
+
+<file path=ppt/slides/slide17.xml><?xml version="1.0" encoding="utf-8"?>
+<p:sld xmlns:a="http://schemas.openxmlformats.org/drawingml/2006/main" xmlns:r="http://schemas.openxmlformats.org/officeDocument/2006/relationships" xmlns:p="http://schemas.openxmlformats.org/presentationml/2006/main">
+  <p:cSld>
+    <p:spTree>
+      <p:nvGrpSpPr>
+        <p:cNvPr id="1" name=""/>
+        <p:cNvGrpSpPr/>
+        <p:nvPr/>
+      </p:nvGrpSpPr>
+      <p:grpSpPr>
+        <a:xfrm>
+          <a:off x="0" y="0"/>
+          <a:ext cx="0" cy="0"/>
+          <a:chOff x="0" y="0"/>
+          <a:chExt cx="0" cy="0"/>
+        </a:xfrm>
+      </p:grpSpPr>
+      <p:pic>
+        <p:nvPicPr>
+          <p:cNvPr id="5" name="Picture 4">
+            <a:extLst>
+              <a:ext uri="{FF2B5EF4-FFF2-40B4-BE49-F238E27FC236}">
+                <a16:creationId xmlns:a16="http://schemas.microsoft.com/office/drawing/2014/main" id="{6DD44DE6-8C58-1594-9F21-D9E48FC3EDB1}"/>
+              </a:ext>
+            </a:extLst>
+          </p:cNvPr>
+          <p:cNvPicPr>
+            <a:picLocks noChangeAspect="1"/>
+          </p:cNvPicPr>
+          <p:nvPr/>
+        </p:nvPicPr>
+        <p:blipFill>
+          <a:blip r:embed="rId2"/>
+          <a:stretch>
+            <a:fillRect/>
+          </a:stretch>
+        </p:blipFill>
+        <p:spPr>
+          <a:xfrm>
+            <a:off x="2474816" y="452761"/>
+            <a:ext cx="6941594" cy="6081204"/>
+          </a:xfrm>
+          <a:prstGeom prst="rect">
+            <a:avLst/>
+          </a:prstGeom>
+        </p:spPr>
+      </p:pic>
+    </p:spTree>
+    <p:extLst>
+      <p:ext uri="{BB962C8B-B14F-4D97-AF65-F5344CB8AC3E}">
+        <p14:creationId xmlns:p14="http://schemas.microsoft.com/office/powerpoint/2010/main" val="3481341624"/>
       </p:ext>
     </p:extLst>
   </p:cSld>
@@ -10658,7 +12304,7 @@
         </p:blipFill>
         <p:spPr>
           <a:xfrm>
-            <a:off x="3104306" y="896591"/>
+            <a:off x="3175328" y="958735"/>
             <a:ext cx="5418141" cy="2687467"/>
           </a:xfrm>
         </p:spPr>
@@ -10685,7 +12331,7 @@
         </p:blipFill>
         <p:spPr>
           <a:xfrm>
-            <a:off x="5070427" y="3679795"/>
+            <a:off x="5070426" y="3804082"/>
             <a:ext cx="1485900" cy="504825"/>
           </a:xfrm>
           <a:prstGeom prst="rect">

--- a/MAT2034_MAT2404_GTS_HK1_Python/GTS_Chương_3_Root_finding.pptx
+++ b/MAT2034_MAT2404_GTS_HK1_Python/GTS_Chương_3_Root_finding.pptx
@@ -6,22 +6,23 @@
   </p:sldMasterIdLst>
   <p:sldIdLst>
     <p:sldId id="256" r:id="rId2"/>
-    <p:sldId id="257" r:id="rId3"/>
-    <p:sldId id="259" r:id="rId4"/>
-    <p:sldId id="258" r:id="rId5"/>
-    <p:sldId id="260" r:id="rId6"/>
-    <p:sldId id="262" r:id="rId7"/>
-    <p:sldId id="261" r:id="rId8"/>
-    <p:sldId id="263" r:id="rId9"/>
-    <p:sldId id="265" r:id="rId10"/>
-    <p:sldId id="266" r:id="rId11"/>
-    <p:sldId id="267" r:id="rId12"/>
-    <p:sldId id="269" r:id="rId13"/>
-    <p:sldId id="270" r:id="rId14"/>
-    <p:sldId id="271" r:id="rId15"/>
-    <p:sldId id="272" r:id="rId16"/>
-    <p:sldId id="273" r:id="rId17"/>
-    <p:sldId id="274" r:id="rId18"/>
+    <p:sldId id="275" r:id="rId3"/>
+    <p:sldId id="257" r:id="rId4"/>
+    <p:sldId id="259" r:id="rId5"/>
+    <p:sldId id="258" r:id="rId6"/>
+    <p:sldId id="260" r:id="rId7"/>
+    <p:sldId id="262" r:id="rId8"/>
+    <p:sldId id="261" r:id="rId9"/>
+    <p:sldId id="263" r:id="rId10"/>
+    <p:sldId id="265" r:id="rId11"/>
+    <p:sldId id="266" r:id="rId12"/>
+    <p:sldId id="267" r:id="rId13"/>
+    <p:sldId id="269" r:id="rId14"/>
+    <p:sldId id="270" r:id="rId15"/>
+    <p:sldId id="271" r:id="rId16"/>
+    <p:sldId id="272" r:id="rId17"/>
+    <p:sldId id="273" r:id="rId18"/>
+    <p:sldId id="274" r:id="rId19"/>
   </p:sldIdLst>
   <p:sldSz cx="12192000" cy="6858000"/>
   <p:notesSz cx="6858000" cy="9144000"/>
@@ -121,6 +122,60 @@
     </a:lvl9pPr>
   </p:defaultTextStyle>
   <p:extLst>
+    <p:ext uri="{521415D9-36F7-43E2-AB2F-B90AF26B5E84}">
+      <p14:sectionLst xmlns:p14="http://schemas.microsoft.com/office/powerpoint/2010/main">
+        <p14:section name="Default Section" id="{A27C089A-5CC1-4AE6-970B-1F0AC98AFEE5}">
+          <p14:sldIdLst>
+            <p14:sldId id="256"/>
+            <p14:sldId id="275"/>
+          </p14:sldIdLst>
+        </p14:section>
+        <p14:section name="Đặt bài toán" id="{3DEA09B9-10D2-4AFD-B6B1-06BAB2FC274B}">
+          <p14:sldIdLst>
+            <p14:sldId id="257"/>
+            <p14:sldId id="259"/>
+          </p14:sldIdLst>
+        </p14:section>
+        <p14:section name="PP Tìm kiếm tăng dần" id="{DB4B85EB-9301-401A-BA9E-223C101DDD86}">
+          <p14:sldIdLst>
+            <p14:sldId id="258"/>
+            <p14:sldId id="260"/>
+          </p14:sldIdLst>
+        </p14:section>
+        <p14:section name="PP Phân đôi" id="{3F0C99BC-57E0-4A23-83F9-33C729BAF75B}">
+          <p14:sldIdLst>
+            <p14:sldId id="262"/>
+          </p14:sldIdLst>
+        </p14:section>
+        <p14:section name="PP Newton" id="{465BF254-4BD6-49AC-9F59-C66685C26B88}">
+          <p14:sldIdLst>
+            <p14:sldId id="261"/>
+            <p14:sldId id="263"/>
+            <p14:sldId id="265"/>
+            <p14:sldId id="266"/>
+            <p14:sldId id="267"/>
+          </p14:sldIdLst>
+        </p14:section>
+        <p14:section name="Newton Fractal" id="{0FCDC052-519B-494C-9B71-37FCB4E941A3}">
+          <p14:sldIdLst>
+            <p14:sldId id="269"/>
+            <p14:sldId id="270"/>
+            <p14:sldId id="271"/>
+          </p14:sldIdLst>
+        </p14:section>
+        <p14:section name="PP Lặp đơn" id="{0EF6FDB4-3B86-4CE0-883B-36D4A03ED40D}">
+          <p14:sldIdLst>
+            <p14:sldId id="272"/>
+            <p14:sldId id="273"/>
+          </p14:sldIdLst>
+        </p14:section>
+        <p14:section name="PT Đa Thức" id="{5016D992-8D53-4792-B4CC-AA6DAD6AD7F9}">
+          <p14:sldIdLst>
+            <p14:sldId id="274"/>
+          </p14:sldIdLst>
+        </p14:section>
+      </p14:sectionLst>
+    </p:ext>
     <p:ext uri="{EFAFB233-063F-42B5-8137-9DF3F51BA10A}">
       <p15:sldGuideLst xmlns:p15="http://schemas.microsoft.com/office/powerpoint/2012/main"/>
     </p:ext>
@@ -320,7 +375,7 @@
             <a:fld id="{B61BEF0D-F0BB-DE4B-95CE-6DB70DBA9567}" type="datetimeFigureOut">
               <a:rPr lang="en-US" dirty="0"/>
               <a:pPr/>
-              <a:t>11/10/2022</a:t>
+              <a:t>11/12/2022</a:t>
             </a:fld>
             <a:endParaRPr lang="en-US" dirty="0"/>
           </a:p>
@@ -753,7 +808,7 @@
             <a:fld id="{B61BEF0D-F0BB-DE4B-95CE-6DB70DBA9567}" type="datetimeFigureOut">
               <a:rPr lang="en-US" dirty="0"/>
               <a:pPr/>
-              <a:t>11/10/2022</a:t>
+              <a:t>11/12/2022</a:t>
             </a:fld>
             <a:endParaRPr lang="en-US" dirty="0"/>
           </a:p>
@@ -1000,7 +1055,7 @@
             <a:fld id="{B61BEF0D-F0BB-DE4B-95CE-6DB70DBA9567}" type="datetimeFigureOut">
               <a:rPr lang="en-US" dirty="0"/>
               <a:pPr/>
-              <a:t>11/10/2022</a:t>
+              <a:t>11/12/2022</a:t>
             </a:fld>
             <a:endParaRPr lang="en-US" dirty="0"/>
           </a:p>
@@ -1305,7 +1360,7 @@
             <a:fld id="{B61BEF0D-F0BB-DE4B-95CE-6DB70DBA9567}" type="datetimeFigureOut">
               <a:rPr lang="en-US" dirty="0"/>
               <a:pPr/>
-              <a:t>11/10/2022</a:t>
+              <a:t>11/12/2022</a:t>
             </a:fld>
             <a:endParaRPr lang="en-US" dirty="0"/>
           </a:p>
@@ -1620,7 +1675,7 @@
             <a:fld id="{B61BEF0D-F0BB-DE4B-95CE-6DB70DBA9567}" type="datetimeFigureOut">
               <a:rPr lang="en-US" dirty="0"/>
               <a:pPr/>
-              <a:t>11/10/2022</a:t>
+              <a:t>11/12/2022</a:t>
             </a:fld>
             <a:endParaRPr lang="en-US" dirty="0"/>
           </a:p>
@@ -1919,7 +1974,7 @@
             <a:fld id="{B61BEF0D-F0BB-DE4B-95CE-6DB70DBA9567}" type="datetimeFigureOut">
               <a:rPr lang="en-US" dirty="0"/>
               <a:pPr/>
-              <a:t>11/10/2022</a:t>
+              <a:t>11/12/2022</a:t>
             </a:fld>
             <a:endParaRPr lang="en-US" dirty="0"/>
           </a:p>
@@ -2283,7 +2338,7 @@
             <a:fld id="{B61BEF0D-F0BB-DE4B-95CE-6DB70DBA9567}" type="datetimeFigureOut">
               <a:rPr lang="en-US" dirty="0"/>
               <a:pPr/>
-              <a:t>11/10/2022</a:t>
+              <a:t>11/12/2022</a:t>
             </a:fld>
             <a:endParaRPr lang="en-US" dirty="0"/>
           </a:p>
@@ -2454,7 +2509,7 @@
             <a:fld id="{B61BEF0D-F0BB-DE4B-95CE-6DB70DBA9567}" type="datetimeFigureOut">
               <a:rPr lang="en-US" dirty="0"/>
               <a:pPr/>
-              <a:t>11/10/2022</a:t>
+              <a:t>11/12/2022</a:t>
             </a:fld>
             <a:endParaRPr lang="en-US" dirty="0"/>
           </a:p>
@@ -2631,7 +2686,7 @@
             <a:fld id="{B61BEF0D-F0BB-DE4B-95CE-6DB70DBA9567}" type="datetimeFigureOut">
               <a:rPr lang="en-US" dirty="0"/>
               <a:pPr/>
-              <a:t>11/10/2022</a:t>
+              <a:t>11/12/2022</a:t>
             </a:fld>
             <a:endParaRPr lang="en-US" dirty="0"/>
           </a:p>
@@ -2798,7 +2853,7 @@
             <a:fld id="{B61BEF0D-F0BB-DE4B-95CE-6DB70DBA9567}" type="datetimeFigureOut">
               <a:rPr lang="en-US" dirty="0"/>
               <a:pPr/>
-              <a:t>11/10/2022</a:t>
+              <a:t>11/12/2022</a:t>
             </a:fld>
             <a:endParaRPr lang="en-US" dirty="0"/>
           </a:p>
@@ -3045,7 +3100,7 @@
             <a:fld id="{B61BEF0D-F0BB-DE4B-95CE-6DB70DBA9567}" type="datetimeFigureOut">
               <a:rPr lang="en-US" dirty="0"/>
               <a:pPr/>
-              <a:t>11/10/2022</a:t>
+              <a:t>11/12/2022</a:t>
             </a:fld>
             <a:endParaRPr lang="en-US" dirty="0"/>
           </a:p>
@@ -3278,7 +3333,7 @@
             <a:fld id="{B61BEF0D-F0BB-DE4B-95CE-6DB70DBA9567}" type="datetimeFigureOut">
               <a:rPr lang="en-US" dirty="0"/>
               <a:pPr/>
-              <a:t>11/10/2022</a:t>
+              <a:t>11/12/2022</a:t>
             </a:fld>
             <a:endParaRPr lang="en-US" dirty="0"/>
           </a:p>
@@ -3657,7 +3712,7 @@
             <a:fld id="{B61BEF0D-F0BB-DE4B-95CE-6DB70DBA9567}" type="datetimeFigureOut">
               <a:rPr lang="en-US" dirty="0"/>
               <a:pPr/>
-              <a:t>11/10/2022</a:t>
+              <a:t>11/12/2022</a:t>
             </a:fld>
             <a:endParaRPr lang="en-US" dirty="0"/>
           </a:p>
@@ -3772,7 +3827,7 @@
             <a:fld id="{B61BEF0D-F0BB-DE4B-95CE-6DB70DBA9567}" type="datetimeFigureOut">
               <a:rPr lang="en-US" dirty="0"/>
               <a:pPr/>
-              <a:t>11/10/2022</a:t>
+              <a:t>11/12/2022</a:t>
             </a:fld>
             <a:endParaRPr lang="en-US" dirty="0"/>
           </a:p>
@@ -3864,7 +3919,7 @@
             <a:fld id="{B61BEF0D-F0BB-DE4B-95CE-6DB70DBA9567}" type="datetimeFigureOut">
               <a:rPr lang="en-US" dirty="0"/>
               <a:pPr/>
-              <a:t>11/10/2022</a:t>
+              <a:t>11/12/2022</a:t>
             </a:fld>
             <a:endParaRPr lang="en-US" dirty="0"/>
           </a:p>
@@ -4116,7 +4171,7 @@
             <a:fld id="{B61BEF0D-F0BB-DE4B-95CE-6DB70DBA9567}" type="datetimeFigureOut">
               <a:rPr lang="en-US" dirty="0"/>
               <a:pPr/>
-              <a:t>11/10/2022</a:t>
+              <a:t>11/12/2022</a:t>
             </a:fld>
             <a:endParaRPr lang="en-US" dirty="0"/>
           </a:p>
@@ -4396,7 +4451,7 @@
             <a:fld id="{B61BEF0D-F0BB-DE4B-95CE-6DB70DBA9567}" type="datetimeFigureOut">
               <a:rPr lang="en-US" dirty="0"/>
               <a:pPr/>
-              <a:t>11/10/2022</a:t>
+              <a:t>11/12/2022</a:t>
             </a:fld>
             <a:endParaRPr lang="en-US" dirty="0"/>
           </a:p>
@@ -4802,7 +4857,7 @@
             <a:fld id="{B61BEF0D-F0BB-DE4B-95CE-6DB70DBA9567}" type="datetimeFigureOut">
               <a:rPr lang="en-US" dirty="0"/>
               <a:pPr/>
-              <a:t>11/10/2022</a:t>
+              <a:t>11/12/2022</a:t>
             </a:fld>
             <a:endParaRPr lang="en-US" dirty="0"/>
           </a:p>
@@ -5578,6 +5633,154 @@
           <p:cNvPr id="2" name="Title 1">
             <a:extLst>
               <a:ext uri="{FF2B5EF4-FFF2-40B4-BE49-F238E27FC236}">
+                <a16:creationId xmlns:a16="http://schemas.microsoft.com/office/drawing/2014/main" id="{824FE794-82A0-24FC-FB3F-F2AC09A3D93F}"/>
+              </a:ext>
+            </a:extLst>
+          </p:cNvPr>
+          <p:cNvSpPr>
+            <a:spLocks noGrp="1"/>
+          </p:cNvSpPr>
+          <p:nvPr>
+            <p:ph type="title"/>
+          </p:nvPr>
+        </p:nvSpPr>
+        <p:spPr>
+          <a:xfrm>
+            <a:off x="311349" y="296030"/>
+            <a:ext cx="10492776" cy="504825"/>
+          </a:xfrm>
+        </p:spPr>
+        <p:txBody>
+          <a:bodyPr>
+            <a:normAutofit fontScale="90000"/>
+          </a:bodyPr>
+          <a:lstStyle/>
+          <a:p>
+            <a:r>
+              <a:rPr lang="en-US" dirty="0"/>
+              <a:t>Khi </a:t>
+            </a:r>
+            <a:r>
+              <a:rPr lang="en-US" dirty="0" err="1"/>
+              <a:t>nào</a:t>
+            </a:r>
+            <a:r>
+              <a:rPr lang="en-US" dirty="0"/>
+              <a:t> </a:t>
+            </a:r>
+            <a:r>
+              <a:rPr lang="en-US" dirty="0" err="1"/>
+              <a:t>phương</a:t>
+            </a:r>
+            <a:r>
+              <a:rPr lang="en-US" dirty="0"/>
+              <a:t> </a:t>
+            </a:r>
+            <a:r>
+              <a:rPr lang="en-US" dirty="0" err="1"/>
+              <a:t>pháp</a:t>
+            </a:r>
+            <a:r>
+              <a:rPr lang="en-US" dirty="0"/>
+              <a:t> newton phân kỳ?</a:t>
+            </a:r>
+          </a:p>
+        </p:txBody>
+      </p:sp>
+      <p:pic>
+        <p:nvPicPr>
+          <p:cNvPr id="5" name="Content Placeholder 4">
+            <a:extLst>
+              <a:ext uri="{FF2B5EF4-FFF2-40B4-BE49-F238E27FC236}">
+                <a16:creationId xmlns:a16="http://schemas.microsoft.com/office/drawing/2014/main" id="{37700D8B-15CC-3D86-4995-1E3DEC84D4E4}"/>
+              </a:ext>
+            </a:extLst>
+          </p:cNvPr>
+          <p:cNvPicPr>
+            <a:picLocks noGrp="1" noChangeAspect="1"/>
+          </p:cNvPicPr>
+          <p:nvPr>
+            <p:ph idx="1"/>
+          </p:nvPr>
+        </p:nvPicPr>
+        <p:blipFill>
+          <a:blip r:embed="rId2"/>
+          <a:stretch>
+            <a:fillRect/>
+          </a:stretch>
+        </p:blipFill>
+        <p:spPr>
+          <a:xfrm>
+            <a:off x="3175328" y="958735"/>
+            <a:ext cx="5418141" cy="2687467"/>
+          </a:xfrm>
+        </p:spPr>
+      </p:pic>
+      <p:pic>
+        <p:nvPicPr>
+          <p:cNvPr id="7" name="Picture 6">
+            <a:extLst>
+              <a:ext uri="{FF2B5EF4-FFF2-40B4-BE49-F238E27FC236}">
+                <a16:creationId xmlns:a16="http://schemas.microsoft.com/office/drawing/2014/main" id="{B56ED1D1-1502-EB7D-DBE2-E18F1AC888B3}"/>
+              </a:ext>
+            </a:extLst>
+          </p:cNvPr>
+          <p:cNvPicPr>
+            <a:picLocks noChangeAspect="1"/>
+          </p:cNvPicPr>
+          <p:nvPr/>
+        </p:nvPicPr>
+        <p:blipFill>
+          <a:blip r:embed="rId3"/>
+          <a:stretch>
+            <a:fillRect/>
+          </a:stretch>
+        </p:blipFill>
+        <p:spPr>
+          <a:xfrm>
+            <a:off x="5070426" y="3804082"/>
+            <a:ext cx="1485900" cy="504825"/>
+          </a:xfrm>
+          <a:prstGeom prst="rect">
+            <a:avLst/>
+          </a:prstGeom>
+        </p:spPr>
+      </p:pic>
+    </p:spTree>
+    <p:extLst>
+      <p:ext uri="{BB962C8B-B14F-4D97-AF65-F5344CB8AC3E}">
+        <p14:creationId xmlns:p14="http://schemas.microsoft.com/office/powerpoint/2010/main" val="497660028"/>
+      </p:ext>
+    </p:extLst>
+  </p:cSld>
+  <p:clrMapOvr>
+    <a:masterClrMapping/>
+  </p:clrMapOvr>
+</p:sld>
+</file>
+
+<file path=ppt/slides/slide11.xml><?xml version="1.0" encoding="utf-8"?>
+<p:sld xmlns:a="http://schemas.openxmlformats.org/drawingml/2006/main" xmlns:r="http://schemas.openxmlformats.org/officeDocument/2006/relationships" xmlns:p="http://schemas.openxmlformats.org/presentationml/2006/main">
+  <p:cSld>
+    <p:spTree>
+      <p:nvGrpSpPr>
+        <p:cNvPr id="1" name=""/>
+        <p:cNvGrpSpPr/>
+        <p:nvPr/>
+      </p:nvGrpSpPr>
+      <p:grpSpPr>
+        <a:xfrm>
+          <a:off x="0" y="0"/>
+          <a:ext cx="0" cy="0"/>
+          <a:chOff x="0" y="0"/>
+          <a:chExt cx="0" cy="0"/>
+        </a:xfrm>
+      </p:grpSpPr>
+      <p:sp>
+        <p:nvSpPr>
+          <p:cNvPr id="2" name="Title 1">
+            <a:extLst>
+              <a:ext uri="{FF2B5EF4-FFF2-40B4-BE49-F238E27FC236}">
                 <a16:creationId xmlns:a16="http://schemas.microsoft.com/office/drawing/2014/main" id="{0969F01D-90A7-E184-35D7-470F3387C4F9}"/>
               </a:ext>
             </a:extLst>
@@ -5833,7 +6036,7 @@
 </p:sld>
 </file>
 
-<file path=ppt/slides/slide11.xml><?xml version="1.0" encoding="utf-8"?>
+<file path=ppt/slides/slide12.xml><?xml version="1.0" encoding="utf-8"?>
 <p:sld xmlns:a="http://schemas.openxmlformats.org/drawingml/2006/main" xmlns:r="http://schemas.openxmlformats.org/officeDocument/2006/relationships" xmlns:p="http://schemas.openxmlformats.org/presentationml/2006/main">
   <p:cSld>
     <p:spTree>
@@ -5866,7 +6069,12 @@
             <p:ph type="title"/>
           </p:nvPr>
         </p:nvSpPr>
-        <p:spPr/>
+        <p:spPr>
+          <a:xfrm>
+            <a:off x="708441" y="-29952"/>
+            <a:ext cx="8534400" cy="1507067"/>
+          </a:xfrm>
+        </p:spPr>
         <p:txBody>
           <a:bodyPr/>
           <a:lstStyle/>
@@ -5921,7 +6129,7 @@
         </p:nvSpPr>
         <p:spPr>
           <a:xfrm>
-            <a:off x="684212" y="685800"/>
+            <a:off x="708441" y="1369380"/>
             <a:ext cx="5982918" cy="1028069"/>
           </a:xfrm>
         </p:spPr>
@@ -6041,7 +6249,7 @@
         </p:blipFill>
         <p:spPr>
           <a:xfrm>
-            <a:off x="867608" y="1477115"/>
+            <a:off x="891837" y="2160695"/>
             <a:ext cx="7796999" cy="2175567"/>
           </a:xfrm>
           <a:prstGeom prst="rect">
@@ -6063,7 +6271,7 @@
         </p:nvSpPr>
         <p:spPr>
           <a:xfrm>
-            <a:off x="867608" y="4012707"/>
+            <a:off x="891837" y="4696287"/>
             <a:ext cx="10868672" cy="523220"/>
           </a:xfrm>
           <a:prstGeom prst="rect">
@@ -6172,224 +6380,6 @@
     <p:extLst>
       <p:ext uri="{BB962C8B-B14F-4D97-AF65-F5344CB8AC3E}">
         <p14:creationId xmlns:p14="http://schemas.microsoft.com/office/powerpoint/2010/main" val="2831956919"/>
-      </p:ext>
-    </p:extLst>
-  </p:cSld>
-  <p:clrMapOvr>
-    <a:masterClrMapping/>
-  </p:clrMapOvr>
-</p:sld>
-</file>
-
-<file path=ppt/slides/slide12.xml><?xml version="1.0" encoding="utf-8"?>
-<p:sld xmlns:a="http://schemas.openxmlformats.org/drawingml/2006/main" xmlns:r="http://schemas.openxmlformats.org/officeDocument/2006/relationships" xmlns:p="http://schemas.openxmlformats.org/presentationml/2006/main">
-  <p:cSld>
-    <p:spTree>
-      <p:nvGrpSpPr>
-        <p:cNvPr id="1" name=""/>
-        <p:cNvGrpSpPr/>
-        <p:nvPr/>
-      </p:nvGrpSpPr>
-      <p:grpSpPr>
-        <a:xfrm>
-          <a:off x="0" y="0"/>
-          <a:ext cx="0" cy="0"/>
-          <a:chOff x="0" y="0"/>
-          <a:chExt cx="0" cy="0"/>
-        </a:xfrm>
-      </p:grpSpPr>
-      <p:sp>
-        <p:nvSpPr>
-          <p:cNvPr id="2" name="Title 1">
-            <a:extLst>
-              <a:ext uri="{FF2B5EF4-FFF2-40B4-BE49-F238E27FC236}">
-                <a16:creationId xmlns:a16="http://schemas.microsoft.com/office/drawing/2014/main" id="{0B7235D3-6FE8-A4F4-89A3-907FB771ABCD}"/>
-              </a:ext>
-            </a:extLst>
-          </p:cNvPr>
-          <p:cNvSpPr>
-            <a:spLocks noGrp="1"/>
-          </p:cNvSpPr>
-          <p:nvPr>
-            <p:ph type="title"/>
-          </p:nvPr>
-        </p:nvSpPr>
-        <p:spPr>
-          <a:xfrm>
-            <a:off x="684212" y="192759"/>
-            <a:ext cx="5805365" cy="493041"/>
-          </a:xfrm>
-        </p:spPr>
-        <p:txBody>
-          <a:bodyPr>
-            <a:normAutofit fontScale="90000"/>
-          </a:bodyPr>
-          <a:lstStyle/>
-          <a:p>
-            <a:r>
-              <a:rPr lang="en-US" dirty="0"/>
-              <a:t>Newton fractal (1)</a:t>
-            </a:r>
-          </a:p>
-        </p:txBody>
-      </p:sp>
-      <p:sp>
-        <p:nvSpPr>
-          <p:cNvPr id="3" name="Content Placeholder 2">
-            <a:extLst>
-              <a:ext uri="{FF2B5EF4-FFF2-40B4-BE49-F238E27FC236}">
-                <a16:creationId xmlns:a16="http://schemas.microsoft.com/office/drawing/2014/main" id="{CF39014E-E1A6-5F01-1C1A-9E7B1CDBB6CE}"/>
-              </a:ext>
-            </a:extLst>
-          </p:cNvPr>
-          <p:cNvSpPr>
-            <a:spLocks noGrp="1"/>
-          </p:cNvSpPr>
-          <p:nvPr>
-            <p:ph idx="1"/>
-          </p:nvPr>
-        </p:nvSpPr>
-        <p:spPr>
-          <a:xfrm>
-            <a:off x="713805" y="1118632"/>
-            <a:ext cx="3290024" cy="1633446"/>
-          </a:xfrm>
-        </p:spPr>
-        <p:txBody>
-          <a:bodyPr>
-            <a:normAutofit/>
-          </a:bodyPr>
-          <a:lstStyle/>
-          <a:p>
-            <a:r>
-              <a:rPr lang="en-US" dirty="0">
-                <a:solidFill>
-                  <a:schemeClr val="tx1"/>
-                </a:solidFill>
-              </a:rPr>
-              <a:t>Newton fractal sinh </a:t>
-            </a:r>
-            <a:r>
-              <a:rPr lang="en-US" dirty="0" err="1">
-                <a:solidFill>
-                  <a:schemeClr val="tx1"/>
-                </a:solidFill>
-              </a:rPr>
-              <a:t>bởi</a:t>
-            </a:r>
-            <a:r>
-              <a:rPr lang="en-US" dirty="0">
-                <a:solidFill>
-                  <a:schemeClr val="tx1"/>
-                </a:solidFill>
-              </a:rPr>
-              <a:t> </a:t>
-            </a:r>
-            <a:r>
-              <a:rPr lang="en-US" dirty="0" err="1">
-                <a:solidFill>
-                  <a:schemeClr val="tx1"/>
-                </a:solidFill>
-              </a:rPr>
-              <a:t>phương</a:t>
-            </a:r>
-            <a:r>
-              <a:rPr lang="en-US" dirty="0">
-                <a:solidFill>
-                  <a:schemeClr val="tx1"/>
-                </a:solidFill>
-              </a:rPr>
-              <a:t> </a:t>
-            </a:r>
-            <a:r>
-              <a:rPr lang="en-US" dirty="0" err="1">
-                <a:solidFill>
-                  <a:schemeClr val="tx1"/>
-                </a:solidFill>
-              </a:rPr>
-              <a:t>pháp</a:t>
-            </a:r>
-            <a:r>
-              <a:rPr lang="en-US" dirty="0">
-                <a:solidFill>
-                  <a:schemeClr val="tx1"/>
-                </a:solidFill>
-              </a:rPr>
-              <a:t> Newton </a:t>
-            </a:r>
-            <a:r>
-              <a:rPr lang="en-US" dirty="0" err="1">
-                <a:solidFill>
-                  <a:schemeClr val="tx1"/>
-                </a:solidFill>
-              </a:rPr>
-              <a:t>cho</a:t>
-            </a:r>
-            <a:r>
-              <a:rPr lang="en-US" dirty="0">
-                <a:solidFill>
-                  <a:schemeClr val="tx1"/>
-                </a:solidFill>
-              </a:rPr>
-              <a:t> </a:t>
-            </a:r>
-            <a:r>
-              <a:rPr lang="en-US" dirty="0" err="1">
-                <a:solidFill>
-                  <a:schemeClr val="tx1"/>
-                </a:solidFill>
-              </a:rPr>
-              <a:t>hàm</a:t>
-            </a:r>
-            <a:r>
-              <a:rPr lang="en-US" dirty="0">
-                <a:solidFill>
-                  <a:schemeClr val="tx1"/>
-                </a:solidFill>
-              </a:rPr>
-              <a:t> f(x) = x**3 − 1.</a:t>
-            </a:r>
-            <a:endParaRPr lang="en-US" dirty="0"/>
-          </a:p>
-          <a:p>
-            <a:endParaRPr lang="en-US" dirty="0"/>
-          </a:p>
-        </p:txBody>
-      </p:sp>
-      <p:pic>
-        <p:nvPicPr>
-          <p:cNvPr id="9" name="Picture 8">
-            <a:extLst>
-              <a:ext uri="{FF2B5EF4-FFF2-40B4-BE49-F238E27FC236}">
-                <a16:creationId xmlns:a16="http://schemas.microsoft.com/office/drawing/2014/main" id="{0F14B97B-05BA-0748-64C3-473889B4EF2C}"/>
-              </a:ext>
-            </a:extLst>
-          </p:cNvPr>
-          <p:cNvPicPr>
-            <a:picLocks noChangeAspect="1"/>
-          </p:cNvPicPr>
-          <p:nvPr/>
-        </p:nvPicPr>
-        <p:blipFill>
-          <a:blip r:embed="rId2"/>
-          <a:stretch>
-            <a:fillRect/>
-          </a:stretch>
-        </p:blipFill>
-        <p:spPr>
-          <a:xfrm>
-            <a:off x="4178422" y="892158"/>
-            <a:ext cx="7510572" cy="5632929"/>
-          </a:xfrm>
-          <a:prstGeom prst="rect">
-            <a:avLst/>
-          </a:prstGeom>
-        </p:spPr>
-      </p:pic>
-    </p:spTree>
-    <p:extLst>
-      <p:ext uri="{BB962C8B-B14F-4D97-AF65-F5344CB8AC3E}">
-        <p14:creationId xmlns:p14="http://schemas.microsoft.com/office/powerpoint/2010/main" val="826581850"/>
       </p:ext>
     </p:extLst>
   </p:cSld>
@@ -6446,7 +6436,7 @@
           <a:p>
             <a:r>
               <a:rPr lang="en-US" dirty="0"/>
-              <a:t>Newton fractal (2)</a:t>
+              <a:t>Newton fractal (1)</a:t>
             </a:r>
           </a:p>
         </p:txBody>
@@ -6470,7 +6460,7 @@
         <p:spPr>
           <a:xfrm>
             <a:off x="713805" y="1118632"/>
-            <a:ext cx="3290024" cy="1837632"/>
+            <a:ext cx="3290024" cy="1633446"/>
           </a:xfrm>
         </p:spPr>
         <p:txBody>
@@ -6565,36 +6555,21 @@
                   <a:schemeClr val="tx1"/>
                 </a:solidFill>
               </a:rPr>
-              <a:t>  </a:t>
-            </a:r>
-          </a:p>
-          <a:p>
-            <a:pPr marL="0" indent="0">
-              <a:buNone/>
-            </a:pPr>
-            <a:r>
-              <a:rPr lang="en-US" dirty="0">
-                <a:solidFill>
-                  <a:schemeClr val="tx1"/>
-                </a:solidFill>
-              </a:rPr>
-              <a:t>    f(x) = x**6 + x**3 − 1.</a:t>
-            </a:r>
-          </a:p>
-          <a:p>
-            <a:pPr marL="0" indent="0">
-              <a:buNone/>
-            </a:pPr>
+              <a:t> f(x) = x**3 − 1.</a:t>
+            </a:r>
+            <a:endParaRPr lang="en-US" dirty="0"/>
+          </a:p>
+          <a:p>
             <a:endParaRPr lang="en-US" dirty="0"/>
           </a:p>
         </p:txBody>
       </p:sp>
       <p:pic>
         <p:nvPicPr>
-          <p:cNvPr id="5" name="Picture 4">
+          <p:cNvPr id="9" name="Picture 8">
             <a:extLst>
               <a:ext uri="{FF2B5EF4-FFF2-40B4-BE49-F238E27FC236}">
-                <a16:creationId xmlns:a16="http://schemas.microsoft.com/office/drawing/2014/main" id="{E4994831-D5EC-09B9-CBA3-2CD9DC0B1B69}"/>
+                <a16:creationId xmlns:a16="http://schemas.microsoft.com/office/drawing/2014/main" id="{0F14B97B-05BA-0748-64C3-473889B4EF2C}"/>
               </a:ext>
             </a:extLst>
           </p:cNvPr>
@@ -6611,8 +6586,8 @@
         </p:blipFill>
         <p:spPr>
           <a:xfrm>
-            <a:off x="4190261" y="850367"/>
-            <a:ext cx="7443038" cy="5814874"/>
+            <a:off x="4178422" y="892158"/>
+            <a:ext cx="7510572" cy="5632929"/>
           </a:xfrm>
           <a:prstGeom prst="rect">
             <a:avLst/>
@@ -6622,7 +6597,7 @@
     </p:spTree>
     <p:extLst>
       <p:ext uri="{BB962C8B-B14F-4D97-AF65-F5344CB8AC3E}">
-        <p14:creationId xmlns:p14="http://schemas.microsoft.com/office/powerpoint/2010/main" val="1671520949"/>
+        <p14:creationId xmlns:p14="http://schemas.microsoft.com/office/powerpoint/2010/main" val="826581850"/>
       </p:ext>
     </p:extLst>
   </p:cSld>
@@ -6702,6 +6677,239 @@
         </p:nvSpPr>
         <p:spPr>
           <a:xfrm>
+            <a:off x="713805" y="1118632"/>
+            <a:ext cx="3290024" cy="1837632"/>
+          </a:xfrm>
+        </p:spPr>
+        <p:txBody>
+          <a:bodyPr>
+            <a:normAutofit/>
+          </a:bodyPr>
+          <a:lstStyle/>
+          <a:p>
+            <a:r>
+              <a:rPr lang="en-US" dirty="0">
+                <a:solidFill>
+                  <a:schemeClr val="tx1"/>
+                </a:solidFill>
+              </a:rPr>
+              <a:t>Newton fractal sinh </a:t>
+            </a:r>
+            <a:r>
+              <a:rPr lang="en-US" dirty="0" err="1">
+                <a:solidFill>
+                  <a:schemeClr val="tx1"/>
+                </a:solidFill>
+              </a:rPr>
+              <a:t>bởi</a:t>
+            </a:r>
+            <a:r>
+              <a:rPr lang="en-US" dirty="0">
+                <a:solidFill>
+                  <a:schemeClr val="tx1"/>
+                </a:solidFill>
+              </a:rPr>
+              <a:t> </a:t>
+            </a:r>
+            <a:r>
+              <a:rPr lang="en-US" dirty="0" err="1">
+                <a:solidFill>
+                  <a:schemeClr val="tx1"/>
+                </a:solidFill>
+              </a:rPr>
+              <a:t>phương</a:t>
+            </a:r>
+            <a:r>
+              <a:rPr lang="en-US" dirty="0">
+                <a:solidFill>
+                  <a:schemeClr val="tx1"/>
+                </a:solidFill>
+              </a:rPr>
+              <a:t> </a:t>
+            </a:r>
+            <a:r>
+              <a:rPr lang="en-US" dirty="0" err="1">
+                <a:solidFill>
+                  <a:schemeClr val="tx1"/>
+                </a:solidFill>
+              </a:rPr>
+              <a:t>pháp</a:t>
+            </a:r>
+            <a:r>
+              <a:rPr lang="en-US" dirty="0">
+                <a:solidFill>
+                  <a:schemeClr val="tx1"/>
+                </a:solidFill>
+              </a:rPr>
+              <a:t> Newton </a:t>
+            </a:r>
+            <a:r>
+              <a:rPr lang="en-US" dirty="0" err="1">
+                <a:solidFill>
+                  <a:schemeClr val="tx1"/>
+                </a:solidFill>
+              </a:rPr>
+              <a:t>cho</a:t>
+            </a:r>
+            <a:r>
+              <a:rPr lang="en-US" dirty="0">
+                <a:solidFill>
+                  <a:schemeClr val="tx1"/>
+                </a:solidFill>
+              </a:rPr>
+              <a:t> </a:t>
+            </a:r>
+            <a:r>
+              <a:rPr lang="en-US" dirty="0" err="1">
+                <a:solidFill>
+                  <a:schemeClr val="tx1"/>
+                </a:solidFill>
+              </a:rPr>
+              <a:t>hàm</a:t>
+            </a:r>
+            <a:r>
+              <a:rPr lang="en-US" dirty="0">
+                <a:solidFill>
+                  <a:schemeClr val="tx1"/>
+                </a:solidFill>
+              </a:rPr>
+              <a:t>  </a:t>
+            </a:r>
+          </a:p>
+          <a:p>
+            <a:pPr marL="0" indent="0">
+              <a:buNone/>
+            </a:pPr>
+            <a:r>
+              <a:rPr lang="en-US" dirty="0">
+                <a:solidFill>
+                  <a:schemeClr val="tx1"/>
+                </a:solidFill>
+              </a:rPr>
+              <a:t>    f(x) = x**6 + x**3 − 1.</a:t>
+            </a:r>
+          </a:p>
+          <a:p>
+            <a:pPr marL="0" indent="0">
+              <a:buNone/>
+            </a:pPr>
+            <a:endParaRPr lang="en-US" dirty="0"/>
+          </a:p>
+        </p:txBody>
+      </p:sp>
+      <p:pic>
+        <p:nvPicPr>
+          <p:cNvPr id="5" name="Picture 4">
+            <a:extLst>
+              <a:ext uri="{FF2B5EF4-FFF2-40B4-BE49-F238E27FC236}">
+                <a16:creationId xmlns:a16="http://schemas.microsoft.com/office/drawing/2014/main" id="{E4994831-D5EC-09B9-CBA3-2CD9DC0B1B69}"/>
+              </a:ext>
+            </a:extLst>
+          </p:cNvPr>
+          <p:cNvPicPr>
+            <a:picLocks noChangeAspect="1"/>
+          </p:cNvPicPr>
+          <p:nvPr/>
+        </p:nvPicPr>
+        <p:blipFill>
+          <a:blip r:embed="rId2"/>
+          <a:stretch>
+            <a:fillRect/>
+          </a:stretch>
+        </p:blipFill>
+        <p:spPr>
+          <a:xfrm>
+            <a:off x="4190261" y="850367"/>
+            <a:ext cx="7443038" cy="5814874"/>
+          </a:xfrm>
+          <a:prstGeom prst="rect">
+            <a:avLst/>
+          </a:prstGeom>
+        </p:spPr>
+      </p:pic>
+    </p:spTree>
+    <p:extLst>
+      <p:ext uri="{BB962C8B-B14F-4D97-AF65-F5344CB8AC3E}">
+        <p14:creationId xmlns:p14="http://schemas.microsoft.com/office/powerpoint/2010/main" val="1671520949"/>
+      </p:ext>
+    </p:extLst>
+  </p:cSld>
+  <p:clrMapOvr>
+    <a:masterClrMapping/>
+  </p:clrMapOvr>
+</p:sld>
+</file>
+
+<file path=ppt/slides/slide15.xml><?xml version="1.0" encoding="utf-8"?>
+<p:sld xmlns:a="http://schemas.openxmlformats.org/drawingml/2006/main" xmlns:r="http://schemas.openxmlformats.org/officeDocument/2006/relationships" xmlns:p="http://schemas.openxmlformats.org/presentationml/2006/main">
+  <p:cSld>
+    <p:spTree>
+      <p:nvGrpSpPr>
+        <p:cNvPr id="1" name=""/>
+        <p:cNvGrpSpPr/>
+        <p:nvPr/>
+      </p:nvGrpSpPr>
+      <p:grpSpPr>
+        <a:xfrm>
+          <a:off x="0" y="0"/>
+          <a:ext cx="0" cy="0"/>
+          <a:chOff x="0" y="0"/>
+          <a:chExt cx="0" cy="0"/>
+        </a:xfrm>
+      </p:grpSpPr>
+      <p:sp>
+        <p:nvSpPr>
+          <p:cNvPr id="2" name="Title 1">
+            <a:extLst>
+              <a:ext uri="{FF2B5EF4-FFF2-40B4-BE49-F238E27FC236}">
+                <a16:creationId xmlns:a16="http://schemas.microsoft.com/office/drawing/2014/main" id="{0B7235D3-6FE8-A4F4-89A3-907FB771ABCD}"/>
+              </a:ext>
+            </a:extLst>
+          </p:cNvPr>
+          <p:cNvSpPr>
+            <a:spLocks noGrp="1"/>
+          </p:cNvSpPr>
+          <p:nvPr>
+            <p:ph type="title"/>
+          </p:nvPr>
+        </p:nvSpPr>
+        <p:spPr>
+          <a:xfrm>
+            <a:off x="684212" y="192759"/>
+            <a:ext cx="5805365" cy="493041"/>
+          </a:xfrm>
+        </p:spPr>
+        <p:txBody>
+          <a:bodyPr>
+            <a:normAutofit fontScale="90000"/>
+          </a:bodyPr>
+          <a:lstStyle/>
+          <a:p>
+            <a:r>
+              <a:rPr lang="en-US" dirty="0"/>
+              <a:t>Newton fractal (2)</a:t>
+            </a:r>
+          </a:p>
+        </p:txBody>
+      </p:sp>
+      <p:sp>
+        <p:nvSpPr>
+          <p:cNvPr id="3" name="Content Placeholder 2">
+            <a:extLst>
+              <a:ext uri="{FF2B5EF4-FFF2-40B4-BE49-F238E27FC236}">
+                <a16:creationId xmlns:a16="http://schemas.microsoft.com/office/drawing/2014/main" id="{CF39014E-E1A6-5F01-1C1A-9E7B1CDBB6CE}"/>
+              </a:ext>
+            </a:extLst>
+          </p:cNvPr>
+          <p:cNvSpPr>
+            <a:spLocks noGrp="1"/>
+          </p:cNvSpPr>
+          <p:nvPr>
+            <p:ph idx="1"/>
+          </p:nvPr>
+        </p:nvSpPr>
+        <p:spPr>
+          <a:xfrm>
             <a:off x="713804" y="1118631"/>
             <a:ext cx="4364223" cy="2725399"/>
           </a:xfrm>
@@ -7139,7 +7347,7 @@
 </p:sld>
 </file>
 
-<file path=ppt/slides/slide15.xml><?xml version="1.0" encoding="utf-8"?>
+<file path=ppt/slides/slide16.xml><?xml version="1.0" encoding="utf-8"?>
 <p:sld xmlns:a="http://schemas.openxmlformats.org/drawingml/2006/main" xmlns:r="http://schemas.openxmlformats.org/officeDocument/2006/relationships" xmlns:p="http://schemas.openxmlformats.org/presentationml/2006/main">
   <p:cSld>
     <p:spTree>
@@ -7233,7 +7441,7 @@
 </p:sld>
 </file>
 
-<file path=ppt/slides/slide16.xml><?xml version="1.0" encoding="utf-8"?>
+<file path=ppt/slides/slide17.xml><?xml version="1.0" encoding="utf-8"?>
 <p:sld xmlns:a="http://schemas.openxmlformats.org/drawingml/2006/main" xmlns:r="http://schemas.openxmlformats.org/officeDocument/2006/relationships" xmlns:p="http://schemas.openxmlformats.org/presentationml/2006/main">
   <p:cSld>
     <p:spTree>
@@ -7577,7 +7785,7 @@
 </p:sld>
 </file>
 
-<file path=ppt/slides/slide17.xml><?xml version="1.0" encoding="utf-8"?>
+<file path=ppt/slides/slide18.xml><?xml version="1.0" encoding="utf-8"?>
 <p:sld xmlns:a="http://schemas.openxmlformats.org/drawingml/2006/main" xmlns:r="http://schemas.openxmlformats.org/officeDocument/2006/relationships" xmlns:p="http://schemas.openxmlformats.org/presentationml/2006/main">
   <p:cSld>
     <p:spTree>
@@ -7654,6 +7862,715 @@
           <a:chExt cx="0" cy="0"/>
         </a:xfrm>
       </p:grpSpPr>
+      <mc:AlternateContent xmlns:mc="http://schemas.openxmlformats.org/markup-compatibility/2006">
+        <mc:Choice xmlns:psez="http://schemas.microsoft.com/office/powerpoint/2016/sectionzoom" Requires="psez">
+          <p:graphicFrame>
+            <p:nvGraphicFramePr>
+              <p:cNvPr id="19" name="Section Zoom 18">
+                <a:extLst>
+                  <a:ext uri="{FF2B5EF4-FFF2-40B4-BE49-F238E27FC236}">
+                    <a16:creationId xmlns:a16="http://schemas.microsoft.com/office/drawing/2014/main" id="{7337F422-FBB5-5216-EE02-5E7F212BB8F7}"/>
+                  </a:ext>
+                </a:extLst>
+              </p:cNvPr>
+              <p:cNvGraphicFramePr>
+                <a:graphicFrameLocks noChangeAspect="1"/>
+              </p:cNvGraphicFramePr>
+              <p:nvPr>
+                <p:extLst>
+                  <p:ext uri="{D42A27DB-BD31-4B8C-83A1-F6EECF244321}">
+                    <p14:modId xmlns:p14="http://schemas.microsoft.com/office/powerpoint/2010/main" val="2184055391"/>
+                  </p:ext>
+                </p:extLst>
+              </p:nvPr>
+            </p:nvGraphicFramePr>
+            <p:xfrm>
+              <a:off x="665824" y="624581"/>
+              <a:ext cx="3048000" cy="1714500"/>
+            </p:xfrm>
+            <a:graphic>
+              <a:graphicData uri="http://schemas.microsoft.com/office/powerpoint/2016/sectionzoom">
+                <psez:sectionZm>
+                  <psez:sectionZmObj sectionId="{3DEA09B9-10D2-4AFD-B6B1-06BAB2FC274B}">
+                    <psez:zmPr id="{CAA3DE98-B0AD-44BE-A12E-04370E841A02}" transitionDur="1000">
+                      <p166:blipFill xmlns:p166="http://schemas.microsoft.com/office/powerpoint/2016/6/main">
+                        <a:blip r:embed="rId2"/>
+                        <a:stretch>
+                          <a:fillRect/>
+                        </a:stretch>
+                      </p166:blipFill>
+                      <p166:spPr xmlns:p166="http://schemas.microsoft.com/office/powerpoint/2016/6/main">
+                        <a:xfrm>
+                          <a:off x="0" y="0"/>
+                          <a:ext cx="3048000" cy="1714500"/>
+                        </a:xfrm>
+                        <a:prstGeom prst="rect">
+                          <a:avLst/>
+                        </a:prstGeom>
+                        <a:ln w="3175">
+                          <a:solidFill>
+                            <a:prstClr val="ltGray"/>
+                          </a:solidFill>
+                        </a:ln>
+                      </p166:spPr>
+                    </psez:zmPr>
+                  </psez:sectionZmObj>
+                </psez:sectionZm>
+              </a:graphicData>
+            </a:graphic>
+          </p:graphicFrame>
+        </mc:Choice>
+        <mc:Fallback>
+          <p:pic>
+            <p:nvPicPr>
+              <p:cNvPr id="19" name="Section Zoom 18">
+                <a:hlinkClick r:id="rId3" action="ppaction://hlinksldjump"/>
+                <a:extLst>
+                  <a:ext uri="{FF2B5EF4-FFF2-40B4-BE49-F238E27FC236}">
+                    <a16:creationId xmlns:a16="http://schemas.microsoft.com/office/drawing/2014/main" id="{7337F422-FBB5-5216-EE02-5E7F212BB8F7}"/>
+                  </a:ext>
+                </a:extLst>
+              </p:cNvPr>
+              <p:cNvPicPr>
+                <a:picLocks noGrp="1" noRot="1" noChangeAspect="1" noMove="1" noResize="1" noEditPoints="1" noAdjustHandles="1" noChangeArrowheads="1" noChangeShapeType="1"/>
+              </p:cNvPicPr>
+              <p:nvPr/>
+            </p:nvPicPr>
+            <p:blipFill>
+              <a:blip r:embed="rId2"/>
+              <a:stretch>
+                <a:fillRect/>
+              </a:stretch>
+            </p:blipFill>
+            <p:spPr>
+              <a:xfrm>
+                <a:off x="665824" y="624581"/>
+                <a:ext cx="3048000" cy="1714500"/>
+              </a:xfrm>
+              <a:prstGeom prst="rect">
+                <a:avLst/>
+              </a:prstGeom>
+              <a:ln w="3175">
+                <a:solidFill>
+                  <a:prstClr val="ltGray"/>
+                </a:solidFill>
+              </a:ln>
+            </p:spPr>
+          </p:pic>
+        </mc:Fallback>
+      </mc:AlternateContent>
+      <mc:AlternateContent xmlns:mc="http://schemas.openxmlformats.org/markup-compatibility/2006">
+        <mc:Choice xmlns:psez="http://schemas.microsoft.com/office/powerpoint/2016/sectionzoom" Requires="psez">
+          <p:graphicFrame>
+            <p:nvGraphicFramePr>
+              <p:cNvPr id="21" name="Section Zoom 20">
+                <a:extLst>
+                  <a:ext uri="{FF2B5EF4-FFF2-40B4-BE49-F238E27FC236}">
+                    <a16:creationId xmlns:a16="http://schemas.microsoft.com/office/drawing/2014/main" id="{F844160F-AE31-2929-B772-4EACD02A3F69}"/>
+                  </a:ext>
+                </a:extLst>
+              </p:cNvPr>
+              <p:cNvGraphicFramePr>
+                <a:graphicFrameLocks noChangeAspect="1"/>
+              </p:cNvGraphicFramePr>
+              <p:nvPr>
+                <p:extLst>
+                  <p:ext uri="{D42A27DB-BD31-4B8C-83A1-F6EECF244321}">
+                    <p14:modId xmlns:p14="http://schemas.microsoft.com/office/powerpoint/2010/main" val="2451387118"/>
+                  </p:ext>
+                </p:extLst>
+              </p:nvPr>
+            </p:nvGraphicFramePr>
+            <p:xfrm>
+              <a:off x="4120718" y="624581"/>
+              <a:ext cx="3048000" cy="1714500"/>
+            </p:xfrm>
+            <a:graphic>
+              <a:graphicData uri="http://schemas.microsoft.com/office/powerpoint/2016/sectionzoom">
+                <psez:sectionZm>
+                  <psez:sectionZmObj sectionId="{DB4B85EB-9301-401A-BA9E-223C101DDD86}">
+                    <psez:zmPr id="{BC91A378-9D3D-4350-BD04-E3370929C5B5}" transitionDur="1000">
+                      <p166:blipFill xmlns:p166="http://schemas.microsoft.com/office/powerpoint/2016/6/main">
+                        <a:blip r:embed="rId4"/>
+                        <a:stretch>
+                          <a:fillRect/>
+                        </a:stretch>
+                      </p166:blipFill>
+                      <p166:spPr xmlns:p166="http://schemas.microsoft.com/office/powerpoint/2016/6/main">
+                        <a:xfrm>
+                          <a:off x="0" y="0"/>
+                          <a:ext cx="3048000" cy="1714500"/>
+                        </a:xfrm>
+                        <a:prstGeom prst="rect">
+                          <a:avLst/>
+                        </a:prstGeom>
+                        <a:ln w="3175">
+                          <a:solidFill>
+                            <a:prstClr val="ltGray"/>
+                          </a:solidFill>
+                        </a:ln>
+                      </p166:spPr>
+                    </psez:zmPr>
+                  </psez:sectionZmObj>
+                </psez:sectionZm>
+              </a:graphicData>
+            </a:graphic>
+          </p:graphicFrame>
+        </mc:Choice>
+        <mc:Fallback>
+          <p:pic>
+            <p:nvPicPr>
+              <p:cNvPr id="21" name="Section Zoom 20">
+                <a:hlinkClick r:id="rId5" action="ppaction://hlinksldjump"/>
+                <a:extLst>
+                  <a:ext uri="{FF2B5EF4-FFF2-40B4-BE49-F238E27FC236}">
+                    <a16:creationId xmlns:a16="http://schemas.microsoft.com/office/drawing/2014/main" id="{F844160F-AE31-2929-B772-4EACD02A3F69}"/>
+                  </a:ext>
+                </a:extLst>
+              </p:cNvPr>
+              <p:cNvPicPr>
+                <a:picLocks noGrp="1" noRot="1" noChangeAspect="1" noMove="1" noResize="1" noEditPoints="1" noAdjustHandles="1" noChangeArrowheads="1" noChangeShapeType="1"/>
+              </p:cNvPicPr>
+              <p:nvPr/>
+            </p:nvPicPr>
+            <p:blipFill>
+              <a:blip r:embed="rId4"/>
+              <a:stretch>
+                <a:fillRect/>
+              </a:stretch>
+            </p:blipFill>
+            <p:spPr>
+              <a:xfrm>
+                <a:off x="4120718" y="624581"/>
+                <a:ext cx="3048000" cy="1714500"/>
+              </a:xfrm>
+              <a:prstGeom prst="rect">
+                <a:avLst/>
+              </a:prstGeom>
+              <a:ln w="3175">
+                <a:solidFill>
+                  <a:prstClr val="ltGray"/>
+                </a:solidFill>
+              </a:ln>
+            </p:spPr>
+          </p:pic>
+        </mc:Fallback>
+      </mc:AlternateContent>
+      <mc:AlternateContent xmlns:mc="http://schemas.openxmlformats.org/markup-compatibility/2006">
+        <mc:Choice xmlns:psez="http://schemas.microsoft.com/office/powerpoint/2016/sectionzoom" Requires="psez">
+          <p:graphicFrame>
+            <p:nvGraphicFramePr>
+              <p:cNvPr id="23" name="Section Zoom 22">
+                <a:extLst>
+                  <a:ext uri="{FF2B5EF4-FFF2-40B4-BE49-F238E27FC236}">
+                    <a16:creationId xmlns:a16="http://schemas.microsoft.com/office/drawing/2014/main" id="{F0EC1D24-363A-FD97-F126-36DC9761DB3B}"/>
+                  </a:ext>
+                </a:extLst>
+              </p:cNvPr>
+              <p:cNvGraphicFramePr>
+                <a:graphicFrameLocks noChangeAspect="1"/>
+              </p:cNvGraphicFramePr>
+              <p:nvPr>
+                <p:extLst>
+                  <p:ext uri="{D42A27DB-BD31-4B8C-83A1-F6EECF244321}">
+                    <p14:modId xmlns:p14="http://schemas.microsoft.com/office/powerpoint/2010/main" val="932060576"/>
+                  </p:ext>
+                </p:extLst>
+              </p:nvPr>
+            </p:nvGraphicFramePr>
+            <p:xfrm>
+              <a:off x="7766482" y="688205"/>
+              <a:ext cx="3048000" cy="1714500"/>
+            </p:xfrm>
+            <a:graphic>
+              <a:graphicData uri="http://schemas.microsoft.com/office/powerpoint/2016/sectionzoom">
+                <psez:sectionZm>
+                  <psez:sectionZmObj sectionId="{3F0C99BC-57E0-4A23-83F9-33C729BAF75B}">
+                    <psez:zmPr id="{9B9650DB-B85E-485A-9592-D5685AC90F22}" transitionDur="1000">
+                      <p166:blipFill xmlns:p166="http://schemas.microsoft.com/office/powerpoint/2016/6/main">
+                        <a:blip r:embed="rId6"/>
+                        <a:stretch>
+                          <a:fillRect/>
+                        </a:stretch>
+                      </p166:blipFill>
+                      <p166:spPr xmlns:p166="http://schemas.microsoft.com/office/powerpoint/2016/6/main">
+                        <a:xfrm>
+                          <a:off x="0" y="0"/>
+                          <a:ext cx="3048000" cy="1714500"/>
+                        </a:xfrm>
+                        <a:prstGeom prst="rect">
+                          <a:avLst/>
+                        </a:prstGeom>
+                        <a:ln w="3175">
+                          <a:solidFill>
+                            <a:prstClr val="ltGray"/>
+                          </a:solidFill>
+                        </a:ln>
+                      </p166:spPr>
+                    </psez:zmPr>
+                  </psez:sectionZmObj>
+                </psez:sectionZm>
+              </a:graphicData>
+            </a:graphic>
+          </p:graphicFrame>
+        </mc:Choice>
+        <mc:Fallback>
+          <p:pic>
+            <p:nvPicPr>
+              <p:cNvPr id="23" name="Section Zoom 22">
+                <a:hlinkClick r:id="rId7" action="ppaction://hlinksldjump"/>
+                <a:extLst>
+                  <a:ext uri="{FF2B5EF4-FFF2-40B4-BE49-F238E27FC236}">
+                    <a16:creationId xmlns:a16="http://schemas.microsoft.com/office/drawing/2014/main" id="{F0EC1D24-363A-FD97-F126-36DC9761DB3B}"/>
+                  </a:ext>
+                </a:extLst>
+              </p:cNvPr>
+              <p:cNvPicPr>
+                <a:picLocks noGrp="1" noRot="1" noChangeAspect="1" noMove="1" noResize="1" noEditPoints="1" noAdjustHandles="1" noChangeArrowheads="1" noChangeShapeType="1"/>
+              </p:cNvPicPr>
+              <p:nvPr/>
+            </p:nvPicPr>
+            <p:blipFill>
+              <a:blip r:embed="rId6"/>
+              <a:stretch>
+                <a:fillRect/>
+              </a:stretch>
+            </p:blipFill>
+            <p:spPr>
+              <a:xfrm>
+                <a:off x="7766482" y="688205"/>
+                <a:ext cx="3048000" cy="1714500"/>
+              </a:xfrm>
+              <a:prstGeom prst="rect">
+                <a:avLst/>
+              </a:prstGeom>
+              <a:ln w="3175">
+                <a:solidFill>
+                  <a:prstClr val="ltGray"/>
+                </a:solidFill>
+              </a:ln>
+            </p:spPr>
+          </p:pic>
+        </mc:Fallback>
+      </mc:AlternateContent>
+      <mc:AlternateContent xmlns:mc="http://schemas.openxmlformats.org/markup-compatibility/2006">
+        <mc:Choice xmlns:psez="http://schemas.microsoft.com/office/powerpoint/2016/sectionzoom" Requires="psez">
+          <p:graphicFrame>
+            <p:nvGraphicFramePr>
+              <p:cNvPr id="25" name="Section Zoom 24">
+                <a:extLst>
+                  <a:ext uri="{FF2B5EF4-FFF2-40B4-BE49-F238E27FC236}">
+                    <a16:creationId xmlns:a16="http://schemas.microsoft.com/office/drawing/2014/main" id="{50120BD3-7DA5-D9AA-3C4A-57A92A1B02FB}"/>
+                  </a:ext>
+                </a:extLst>
+              </p:cNvPr>
+              <p:cNvGraphicFramePr>
+                <a:graphicFrameLocks noChangeAspect="1"/>
+              </p:cNvGraphicFramePr>
+              <p:nvPr>
+                <p:extLst>
+                  <p:ext uri="{D42A27DB-BD31-4B8C-83A1-F6EECF244321}">
+                    <p14:modId xmlns:p14="http://schemas.microsoft.com/office/powerpoint/2010/main" val="1240084027"/>
+                  </p:ext>
+                </p:extLst>
+              </p:nvPr>
+            </p:nvGraphicFramePr>
+            <p:xfrm>
+              <a:off x="665824" y="2716752"/>
+              <a:ext cx="3048000" cy="1714500"/>
+            </p:xfrm>
+            <a:graphic>
+              <a:graphicData uri="http://schemas.microsoft.com/office/powerpoint/2016/sectionzoom">
+                <psez:sectionZm>
+                  <psez:sectionZmObj sectionId="{465BF254-4BD6-49AC-9F59-C66685C26B88}">
+                    <psez:zmPr id="{913DF50A-3082-49E9-B1A3-26767BDA513C}" transitionDur="1000">
+                      <p166:blipFill xmlns:p166="http://schemas.microsoft.com/office/powerpoint/2016/6/main">
+                        <a:blip r:embed="rId8"/>
+                        <a:stretch>
+                          <a:fillRect/>
+                        </a:stretch>
+                      </p166:blipFill>
+                      <p166:spPr xmlns:p166="http://schemas.microsoft.com/office/powerpoint/2016/6/main">
+                        <a:xfrm>
+                          <a:off x="0" y="0"/>
+                          <a:ext cx="3048000" cy="1714500"/>
+                        </a:xfrm>
+                        <a:prstGeom prst="rect">
+                          <a:avLst/>
+                        </a:prstGeom>
+                        <a:ln w="3175">
+                          <a:solidFill>
+                            <a:prstClr val="ltGray"/>
+                          </a:solidFill>
+                        </a:ln>
+                      </p166:spPr>
+                    </psez:zmPr>
+                  </psez:sectionZmObj>
+                </psez:sectionZm>
+              </a:graphicData>
+            </a:graphic>
+          </p:graphicFrame>
+        </mc:Choice>
+        <mc:Fallback>
+          <p:pic>
+            <p:nvPicPr>
+              <p:cNvPr id="25" name="Section Zoom 24">
+                <a:hlinkClick r:id="rId9" action="ppaction://hlinksldjump"/>
+                <a:extLst>
+                  <a:ext uri="{FF2B5EF4-FFF2-40B4-BE49-F238E27FC236}">
+                    <a16:creationId xmlns:a16="http://schemas.microsoft.com/office/drawing/2014/main" id="{50120BD3-7DA5-D9AA-3C4A-57A92A1B02FB}"/>
+                  </a:ext>
+                </a:extLst>
+              </p:cNvPr>
+              <p:cNvPicPr>
+                <a:picLocks noGrp="1" noRot="1" noChangeAspect="1" noMove="1" noResize="1" noEditPoints="1" noAdjustHandles="1" noChangeArrowheads="1" noChangeShapeType="1"/>
+              </p:cNvPicPr>
+              <p:nvPr/>
+            </p:nvPicPr>
+            <p:blipFill>
+              <a:blip r:embed="rId8"/>
+              <a:stretch>
+                <a:fillRect/>
+              </a:stretch>
+            </p:blipFill>
+            <p:spPr>
+              <a:xfrm>
+                <a:off x="665824" y="2716752"/>
+                <a:ext cx="3048000" cy="1714500"/>
+              </a:xfrm>
+              <a:prstGeom prst="rect">
+                <a:avLst/>
+              </a:prstGeom>
+              <a:ln w="3175">
+                <a:solidFill>
+                  <a:prstClr val="ltGray"/>
+                </a:solidFill>
+              </a:ln>
+            </p:spPr>
+          </p:pic>
+        </mc:Fallback>
+      </mc:AlternateContent>
+      <mc:AlternateContent xmlns:mc="http://schemas.openxmlformats.org/markup-compatibility/2006">
+        <mc:Choice xmlns:psez="http://schemas.microsoft.com/office/powerpoint/2016/sectionzoom" Requires="psez">
+          <p:graphicFrame>
+            <p:nvGraphicFramePr>
+              <p:cNvPr id="27" name="Section Zoom 26">
+                <a:extLst>
+                  <a:ext uri="{FF2B5EF4-FFF2-40B4-BE49-F238E27FC236}">
+                    <a16:creationId xmlns:a16="http://schemas.microsoft.com/office/drawing/2014/main" id="{7BE155E6-1C0A-CCA4-275E-CB6FC3BFB714}"/>
+                  </a:ext>
+                </a:extLst>
+              </p:cNvPr>
+              <p:cNvGraphicFramePr>
+                <a:graphicFrameLocks noChangeAspect="1"/>
+              </p:cNvGraphicFramePr>
+              <p:nvPr>
+                <p:extLst>
+                  <p:ext uri="{D42A27DB-BD31-4B8C-83A1-F6EECF244321}">
+                    <p14:modId xmlns:p14="http://schemas.microsoft.com/office/powerpoint/2010/main" val="119963146"/>
+                  </p:ext>
+                </p:extLst>
+              </p:nvPr>
+            </p:nvGraphicFramePr>
+            <p:xfrm>
+              <a:off x="4120718" y="2695575"/>
+              <a:ext cx="3048000" cy="1714500"/>
+            </p:xfrm>
+            <a:graphic>
+              <a:graphicData uri="http://schemas.microsoft.com/office/powerpoint/2016/sectionzoom">
+                <psez:sectionZm>
+                  <psez:sectionZmObj sectionId="{0FCDC052-519B-494C-9B71-37FCB4E941A3}">
+                    <psez:zmPr id="{859103F7-3F19-4A34-800E-F9A1F2F04463}" transitionDur="1000">
+                      <p166:blipFill xmlns:p166="http://schemas.microsoft.com/office/powerpoint/2016/6/main">
+                        <a:blip r:embed="rId10"/>
+                        <a:stretch>
+                          <a:fillRect/>
+                        </a:stretch>
+                      </p166:blipFill>
+                      <p166:spPr xmlns:p166="http://schemas.microsoft.com/office/powerpoint/2016/6/main">
+                        <a:xfrm>
+                          <a:off x="0" y="0"/>
+                          <a:ext cx="3048000" cy="1714500"/>
+                        </a:xfrm>
+                        <a:prstGeom prst="rect">
+                          <a:avLst/>
+                        </a:prstGeom>
+                        <a:ln w="3175">
+                          <a:solidFill>
+                            <a:prstClr val="ltGray"/>
+                          </a:solidFill>
+                        </a:ln>
+                      </p166:spPr>
+                    </psez:zmPr>
+                  </psez:sectionZmObj>
+                </psez:sectionZm>
+              </a:graphicData>
+            </a:graphic>
+          </p:graphicFrame>
+        </mc:Choice>
+        <mc:Fallback>
+          <p:pic>
+            <p:nvPicPr>
+              <p:cNvPr id="27" name="Section Zoom 26">
+                <a:hlinkClick r:id="rId11" action="ppaction://hlinksldjump"/>
+                <a:extLst>
+                  <a:ext uri="{FF2B5EF4-FFF2-40B4-BE49-F238E27FC236}">
+                    <a16:creationId xmlns:a16="http://schemas.microsoft.com/office/drawing/2014/main" id="{7BE155E6-1C0A-CCA4-275E-CB6FC3BFB714}"/>
+                  </a:ext>
+                </a:extLst>
+              </p:cNvPr>
+              <p:cNvPicPr>
+                <a:picLocks noGrp="1" noRot="1" noChangeAspect="1" noMove="1" noResize="1" noEditPoints="1" noAdjustHandles="1" noChangeArrowheads="1" noChangeShapeType="1"/>
+              </p:cNvPicPr>
+              <p:nvPr/>
+            </p:nvPicPr>
+            <p:blipFill>
+              <a:blip r:embed="rId10"/>
+              <a:stretch>
+                <a:fillRect/>
+              </a:stretch>
+            </p:blipFill>
+            <p:spPr>
+              <a:xfrm>
+                <a:off x="4120718" y="2695575"/>
+                <a:ext cx="3048000" cy="1714500"/>
+              </a:xfrm>
+              <a:prstGeom prst="rect">
+                <a:avLst/>
+              </a:prstGeom>
+              <a:ln w="3175">
+                <a:solidFill>
+                  <a:prstClr val="ltGray"/>
+                </a:solidFill>
+              </a:ln>
+            </p:spPr>
+          </p:pic>
+        </mc:Fallback>
+      </mc:AlternateContent>
+      <mc:AlternateContent xmlns:mc="http://schemas.openxmlformats.org/markup-compatibility/2006">
+        <mc:Choice xmlns:psez="http://schemas.microsoft.com/office/powerpoint/2016/sectionzoom" Requires="psez">
+          <p:graphicFrame>
+            <p:nvGraphicFramePr>
+              <p:cNvPr id="29" name="Section Zoom 28">
+                <a:extLst>
+                  <a:ext uri="{FF2B5EF4-FFF2-40B4-BE49-F238E27FC236}">
+                    <a16:creationId xmlns:a16="http://schemas.microsoft.com/office/drawing/2014/main" id="{5C46E7DE-5071-4C26-73AC-3800E5385C6B}"/>
+                  </a:ext>
+                </a:extLst>
+              </p:cNvPr>
+              <p:cNvGraphicFramePr>
+                <a:graphicFrameLocks noChangeAspect="1"/>
+              </p:cNvGraphicFramePr>
+              <p:nvPr>
+                <p:extLst>
+                  <p:ext uri="{D42A27DB-BD31-4B8C-83A1-F6EECF244321}">
+                    <p14:modId xmlns:p14="http://schemas.microsoft.com/office/powerpoint/2010/main" val="115495437"/>
+                  </p:ext>
+                </p:extLst>
+              </p:nvPr>
+            </p:nvGraphicFramePr>
+            <p:xfrm>
+              <a:off x="7766482" y="2716752"/>
+              <a:ext cx="3048000" cy="1714500"/>
+            </p:xfrm>
+            <a:graphic>
+              <a:graphicData uri="http://schemas.microsoft.com/office/powerpoint/2016/sectionzoom">
+                <psez:sectionZm>
+                  <psez:sectionZmObj sectionId="{0EF6FDB4-3B86-4CE0-883B-36D4A03ED40D}">
+                    <psez:zmPr id="{D89A5ABB-7095-45CB-BB1A-F74CE848148D}" transitionDur="1000">
+                      <p166:blipFill xmlns:p166="http://schemas.microsoft.com/office/powerpoint/2016/6/main">
+                        <a:blip r:embed="rId12"/>
+                        <a:stretch>
+                          <a:fillRect/>
+                        </a:stretch>
+                      </p166:blipFill>
+                      <p166:spPr xmlns:p166="http://schemas.microsoft.com/office/powerpoint/2016/6/main">
+                        <a:xfrm>
+                          <a:off x="0" y="0"/>
+                          <a:ext cx="3048000" cy="1714500"/>
+                        </a:xfrm>
+                        <a:prstGeom prst="rect">
+                          <a:avLst/>
+                        </a:prstGeom>
+                        <a:ln w="3175">
+                          <a:solidFill>
+                            <a:prstClr val="ltGray"/>
+                          </a:solidFill>
+                        </a:ln>
+                      </p166:spPr>
+                    </psez:zmPr>
+                  </psez:sectionZmObj>
+                </psez:sectionZm>
+              </a:graphicData>
+            </a:graphic>
+          </p:graphicFrame>
+        </mc:Choice>
+        <mc:Fallback>
+          <p:pic>
+            <p:nvPicPr>
+              <p:cNvPr id="29" name="Section Zoom 28">
+                <a:hlinkClick r:id="rId13" action="ppaction://hlinksldjump"/>
+                <a:extLst>
+                  <a:ext uri="{FF2B5EF4-FFF2-40B4-BE49-F238E27FC236}">
+                    <a16:creationId xmlns:a16="http://schemas.microsoft.com/office/drawing/2014/main" id="{5C46E7DE-5071-4C26-73AC-3800E5385C6B}"/>
+                  </a:ext>
+                </a:extLst>
+              </p:cNvPr>
+              <p:cNvPicPr>
+                <a:picLocks noGrp="1" noRot="1" noChangeAspect="1" noMove="1" noResize="1" noEditPoints="1" noAdjustHandles="1" noChangeArrowheads="1" noChangeShapeType="1"/>
+              </p:cNvPicPr>
+              <p:nvPr/>
+            </p:nvPicPr>
+            <p:blipFill>
+              <a:blip r:embed="rId12"/>
+              <a:stretch>
+                <a:fillRect/>
+              </a:stretch>
+            </p:blipFill>
+            <p:spPr>
+              <a:xfrm>
+                <a:off x="7766482" y="2716752"/>
+                <a:ext cx="3048000" cy="1714500"/>
+              </a:xfrm>
+              <a:prstGeom prst="rect">
+                <a:avLst/>
+              </a:prstGeom>
+              <a:ln w="3175">
+                <a:solidFill>
+                  <a:prstClr val="ltGray"/>
+                </a:solidFill>
+              </a:ln>
+            </p:spPr>
+          </p:pic>
+        </mc:Fallback>
+      </mc:AlternateContent>
+      <mc:AlternateContent xmlns:mc="http://schemas.openxmlformats.org/markup-compatibility/2006">
+        <mc:Choice xmlns:psez="http://schemas.microsoft.com/office/powerpoint/2016/sectionzoom" Requires="psez">
+          <p:graphicFrame>
+            <p:nvGraphicFramePr>
+              <p:cNvPr id="31" name="Section Zoom 30">
+                <a:extLst>
+                  <a:ext uri="{FF2B5EF4-FFF2-40B4-BE49-F238E27FC236}">
+                    <a16:creationId xmlns:a16="http://schemas.microsoft.com/office/drawing/2014/main" id="{02062F12-EE64-7850-16A3-74C1A394B48D}"/>
+                  </a:ext>
+                </a:extLst>
+              </p:cNvPr>
+              <p:cNvGraphicFramePr>
+                <a:graphicFrameLocks noChangeAspect="1"/>
+              </p:cNvGraphicFramePr>
+              <p:nvPr>
+                <p:extLst>
+                  <p:ext uri="{D42A27DB-BD31-4B8C-83A1-F6EECF244321}">
+                    <p14:modId xmlns:p14="http://schemas.microsoft.com/office/powerpoint/2010/main" val="1838753363"/>
+                  </p:ext>
+                </p:extLst>
+              </p:nvPr>
+            </p:nvGraphicFramePr>
+            <p:xfrm>
+              <a:off x="665824" y="4637842"/>
+              <a:ext cx="3048000" cy="1714500"/>
+            </p:xfrm>
+            <a:graphic>
+              <a:graphicData uri="http://schemas.microsoft.com/office/powerpoint/2016/sectionzoom">
+                <psez:sectionZm>
+                  <psez:sectionZmObj sectionId="{5016D992-8D53-4792-B4CC-AA6DAD6AD7F9}">
+                    <psez:zmPr id="{C13A9E1D-8592-41D2-894F-B94A8529CB6A}" transitionDur="1000">
+                      <p166:blipFill xmlns:p166="http://schemas.microsoft.com/office/powerpoint/2016/6/main">
+                        <a:blip r:embed="rId14"/>
+                        <a:stretch>
+                          <a:fillRect/>
+                        </a:stretch>
+                      </p166:blipFill>
+                      <p166:spPr xmlns:p166="http://schemas.microsoft.com/office/powerpoint/2016/6/main">
+                        <a:xfrm>
+                          <a:off x="0" y="0"/>
+                          <a:ext cx="3048000" cy="1714500"/>
+                        </a:xfrm>
+                        <a:prstGeom prst="rect">
+                          <a:avLst/>
+                        </a:prstGeom>
+                        <a:ln w="3175">
+                          <a:solidFill>
+                            <a:prstClr val="ltGray"/>
+                          </a:solidFill>
+                        </a:ln>
+                      </p166:spPr>
+                    </psez:zmPr>
+                  </psez:sectionZmObj>
+                </psez:sectionZm>
+              </a:graphicData>
+            </a:graphic>
+          </p:graphicFrame>
+        </mc:Choice>
+        <mc:Fallback>
+          <p:pic>
+            <p:nvPicPr>
+              <p:cNvPr id="31" name="Section Zoom 30">
+                <a:hlinkClick r:id="rId15" action="ppaction://hlinksldjump"/>
+                <a:extLst>
+                  <a:ext uri="{FF2B5EF4-FFF2-40B4-BE49-F238E27FC236}">
+                    <a16:creationId xmlns:a16="http://schemas.microsoft.com/office/drawing/2014/main" id="{02062F12-EE64-7850-16A3-74C1A394B48D}"/>
+                  </a:ext>
+                </a:extLst>
+              </p:cNvPr>
+              <p:cNvPicPr>
+                <a:picLocks noGrp="1" noRot="1" noChangeAspect="1" noMove="1" noResize="1" noEditPoints="1" noAdjustHandles="1" noChangeArrowheads="1" noChangeShapeType="1"/>
+              </p:cNvPicPr>
+              <p:nvPr/>
+            </p:nvPicPr>
+            <p:blipFill>
+              <a:blip r:embed="rId14"/>
+              <a:stretch>
+                <a:fillRect/>
+              </a:stretch>
+            </p:blipFill>
+            <p:spPr>
+              <a:xfrm>
+                <a:off x="665824" y="4637842"/>
+                <a:ext cx="3048000" cy="1714500"/>
+              </a:xfrm>
+              <a:prstGeom prst="rect">
+                <a:avLst/>
+              </a:prstGeom>
+              <a:ln w="3175">
+                <a:solidFill>
+                  <a:prstClr val="ltGray"/>
+                </a:solidFill>
+              </a:ln>
+            </p:spPr>
+          </p:pic>
+        </mc:Fallback>
+      </mc:AlternateContent>
+    </p:spTree>
+    <p:extLst>
+      <p:ext uri="{BB962C8B-B14F-4D97-AF65-F5344CB8AC3E}">
+        <p14:creationId xmlns:p14="http://schemas.microsoft.com/office/powerpoint/2010/main" val="78054770"/>
+      </p:ext>
+    </p:extLst>
+  </p:cSld>
+  <p:clrMapOvr>
+    <a:masterClrMapping/>
+  </p:clrMapOvr>
+</p:sld>
+</file>
+
+<file path=ppt/slides/slide3.xml><?xml version="1.0" encoding="utf-8"?>
+<p:sld xmlns:a="http://schemas.openxmlformats.org/drawingml/2006/main" xmlns:r="http://schemas.openxmlformats.org/officeDocument/2006/relationships" xmlns:p="http://schemas.openxmlformats.org/presentationml/2006/main">
+  <p:cSld>
+    <p:spTree>
+      <p:nvGrpSpPr>
+        <p:cNvPr id="1" name=""/>
+        <p:cNvGrpSpPr/>
+        <p:nvPr/>
+      </p:nvGrpSpPr>
+      <p:grpSpPr>
+        <a:xfrm>
+          <a:off x="0" y="0"/>
+          <a:ext cx="0" cy="0"/>
+          <a:chOff x="0" y="0"/>
+          <a:chExt cx="0" cy="0"/>
+        </a:xfrm>
+      </p:grpSpPr>
       <p:sp>
         <p:nvSpPr>
           <p:cNvPr id="2" name="Title 1"/>
@@ -8599,7 +9516,7 @@
 </p:sld>
 </file>
 
-<file path=ppt/slides/slide3.xml><?xml version="1.0" encoding="utf-8"?>
+<file path=ppt/slides/slide4.xml><?xml version="1.0" encoding="utf-8"?>
 <p:sld xmlns:a="http://schemas.openxmlformats.org/drawingml/2006/main" xmlns:r="http://schemas.openxmlformats.org/officeDocument/2006/relationships" xmlns:p="http://schemas.openxmlformats.org/presentationml/2006/main">
   <p:cSld>
     <p:spTree>
@@ -9085,7 +10002,7 @@
 </p:sld>
 </file>
 
-<file path=ppt/slides/slide4.xml><?xml version="1.0" encoding="utf-8"?>
+<file path=ppt/slides/slide5.xml><?xml version="1.0" encoding="utf-8"?>
 <p:sld xmlns:a="http://schemas.openxmlformats.org/drawingml/2006/main" xmlns:r="http://schemas.openxmlformats.org/officeDocument/2006/relationships" xmlns:p="http://schemas.openxmlformats.org/presentationml/2006/main">
   <p:cSld>
     <p:spTree>
@@ -9529,7 +10446,7 @@
 </p:sld>
 </file>
 
-<file path=ppt/slides/slide5.xml><?xml version="1.0" encoding="utf-8"?>
+<file path=ppt/slides/slide6.xml><?xml version="1.0" encoding="utf-8"?>
 <p:sld xmlns:a="http://schemas.openxmlformats.org/drawingml/2006/main" xmlns:r="http://schemas.openxmlformats.org/officeDocument/2006/relationships" xmlns:p="http://schemas.openxmlformats.org/presentationml/2006/main">
   <p:cSld>
     <p:spTree>
@@ -9740,7 +10657,7 @@
                             </p:stCondLst>
                             <p:childTnLst>
                               <p:par>
-                                <p:cTn id="5" presetID="1" presetClass="entr" presetSubtype="0" fill="hold" nodeType="clickEffect">
+                                <p:cTn id="5" presetID="42" presetClass="entr" presetSubtype="0" fill="hold" nodeType="clickEffect">
                                   <p:stCondLst>
                                     <p:cond delay="0"/>
                                   </p:stCondLst>
@@ -9748,78 +10665,6 @@
                                     <p:set>
                                       <p:cBhvr>
                                         <p:cTn id="6" dur="1" fill="hold">
-                                          <p:stCondLst>
-                                            <p:cond delay="0"/>
-                                          </p:stCondLst>
-                                        </p:cTn>
-                                        <p:tgtEl>
-                                          <p:spTgt spid="5"/>
-                                        </p:tgtEl>
-                                        <p:attrNameLst>
-                                          <p:attrName>style.visibility</p:attrName>
-                                        </p:attrNameLst>
-                                      </p:cBhvr>
-                                      <p:to>
-                                        <p:strVal val="visible"/>
-                                      </p:to>
-                                    </p:set>
-                                  </p:childTnLst>
-                                </p:cTn>
-                              </p:par>
-                              <p:par>
-                                <p:cTn id="7" presetID="1" presetClass="entr" presetSubtype="0" fill="hold" grpId="0" nodeType="withEffect">
-                                  <p:stCondLst>
-                                    <p:cond delay="0"/>
-                                  </p:stCondLst>
-                                  <p:childTnLst>
-                                    <p:set>
-                                      <p:cBhvr>
-                                        <p:cTn id="8" dur="1" fill="hold">
-                                          <p:stCondLst>
-                                            <p:cond delay="0"/>
-                                          </p:stCondLst>
-                                        </p:cTn>
-                                        <p:tgtEl>
-                                          <p:spTgt spid="2"/>
-                                        </p:tgtEl>
-                                        <p:attrNameLst>
-                                          <p:attrName>style.visibility</p:attrName>
-                                        </p:attrNameLst>
-                                      </p:cBhvr>
-                                      <p:to>
-                                        <p:strVal val="visible"/>
-                                      </p:to>
-                                    </p:set>
-                                  </p:childTnLst>
-                                </p:cTn>
-                              </p:par>
-                            </p:childTnLst>
-                          </p:cTn>
-                        </p:par>
-                      </p:childTnLst>
-                    </p:cTn>
-                  </p:par>
-                  <p:par>
-                    <p:cTn id="9" fill="hold">
-                      <p:stCondLst>
-                        <p:cond delay="indefinite"/>
-                      </p:stCondLst>
-                      <p:childTnLst>
-                        <p:par>
-                          <p:cTn id="10" fill="hold">
-                            <p:stCondLst>
-                              <p:cond delay="0"/>
-                            </p:stCondLst>
-                            <p:childTnLst>
-                              <p:par>
-                                <p:cTn id="11" presetID="42" presetClass="entr" presetSubtype="0" fill="hold" nodeType="clickEffect">
-                                  <p:stCondLst>
-                                    <p:cond delay="0"/>
-                                  </p:stCondLst>
-                                  <p:childTnLst>
-                                    <p:set>
-                                      <p:cBhvr>
-                                        <p:cTn id="12" dur="1" fill="hold">
                                           <p:stCondLst>
                                             <p:cond delay="0"/>
                                           </p:stCondLst>
@@ -9837,7 +10682,7 @@
                                     </p:set>
                                     <p:animEffect transition="in" filter="fade">
                                       <p:cBhvr>
-                                        <p:cTn id="13" dur="1000"/>
+                                        <p:cTn id="7" dur="1000"/>
                                         <p:tgtEl>
                                           <p:spTgt spid="7"/>
                                         </p:tgtEl>
@@ -9845,7 +10690,7 @@
                                     </p:animEffect>
                                     <p:anim calcmode="lin" valueType="num">
                                       <p:cBhvr>
-                                        <p:cTn id="14" dur="1000" fill="hold"/>
+                                        <p:cTn id="8" dur="1000" fill="hold"/>
                                         <p:tgtEl>
                                           <p:spTgt spid="7"/>
                                         </p:tgtEl>
@@ -9868,7 +10713,7 @@
                                     </p:anim>
                                     <p:anim calcmode="lin" valueType="num">
                                       <p:cBhvr>
-                                        <p:cTn id="15" dur="1000" fill="hold"/>
+                                        <p:cTn id="9" dur="1000" fill="hold"/>
                                         <p:tgtEl>
                                           <p:spTgt spid="7"/>
                                         </p:tgtEl>
@@ -9899,26 +10744,26 @@
                     </p:cTn>
                   </p:par>
                   <p:par>
-                    <p:cTn id="16" fill="hold">
+                    <p:cTn id="10" fill="hold">
                       <p:stCondLst>
                         <p:cond delay="indefinite"/>
                       </p:stCondLst>
                       <p:childTnLst>
                         <p:par>
-                          <p:cTn id="17" fill="hold">
+                          <p:cTn id="11" fill="hold">
                             <p:stCondLst>
                               <p:cond delay="0"/>
                             </p:stCondLst>
                             <p:childTnLst>
                               <p:par>
-                                <p:cTn id="18" presetID="2" presetClass="entr" presetSubtype="4" fill="hold" nodeType="clickEffect">
+                                <p:cTn id="12" presetID="2" presetClass="entr" presetSubtype="4" fill="hold" nodeType="clickEffect">
                                   <p:stCondLst>
                                     <p:cond delay="0"/>
                                   </p:stCondLst>
                                   <p:childTnLst>
                                     <p:set>
                                       <p:cBhvr>
-                                        <p:cTn id="19" dur="1" fill="hold">
+                                        <p:cTn id="13" dur="1" fill="hold">
                                           <p:stCondLst>
                                             <p:cond delay="0"/>
                                           </p:stCondLst>
@@ -9936,7 +10781,7 @@
                                     </p:set>
                                     <p:anim calcmode="lin" valueType="num">
                                       <p:cBhvr additive="base">
-                                        <p:cTn id="20" dur="500" fill="hold"/>
+                                        <p:cTn id="14" dur="500" fill="hold"/>
                                         <p:tgtEl>
                                           <p:spTgt spid="9"/>
                                         </p:tgtEl>
@@ -9959,7 +10804,7 @@
                                     </p:anim>
                                     <p:anim calcmode="lin" valueType="num">
                                       <p:cBhvr additive="base">
-                                        <p:cTn id="21" dur="500" fill="hold"/>
+                                        <p:cTn id="15" dur="500" fill="hold"/>
                                         <p:tgtEl>
                                           <p:spTgt spid="9"/>
                                         </p:tgtEl>
@@ -10010,14 +10855,11 @@
         </p:cTn>
       </p:par>
     </p:tnLst>
-    <p:bldLst>
-      <p:bldP spid="2" grpId="0"/>
-    </p:bldLst>
   </p:timing>
 </p:sld>
 </file>
 
-<file path=ppt/slides/slide6.xml><?xml version="1.0" encoding="utf-8"?>
+<file path=ppt/slides/slide7.xml><?xml version="1.0" encoding="utf-8"?>
 <p:sld xmlns:a="http://schemas.openxmlformats.org/drawingml/2006/main" xmlns:r="http://schemas.openxmlformats.org/officeDocument/2006/relationships" xmlns:p="http://schemas.openxmlformats.org/presentationml/2006/main">
   <p:cSld>
     <p:spTree>
@@ -10334,7 +11176,7 @@
 </p:sld>
 </file>
 
-<file path=ppt/slides/slide7.xml><?xml version="1.0" encoding="utf-8"?>
+<file path=ppt/slides/slide8.xml><?xml version="1.0" encoding="utf-8"?>
 <p:sld xmlns:a="http://schemas.openxmlformats.org/drawingml/2006/main" xmlns:r="http://schemas.openxmlformats.org/officeDocument/2006/relationships" xmlns:p="http://schemas.openxmlformats.org/presentationml/2006/main">
   <p:cSld>
     <p:spTree>
@@ -10367,7 +11209,12 @@
             <p:ph type="title"/>
           </p:nvPr>
         </p:nvSpPr>
-        <p:spPr/>
+        <p:spPr>
+          <a:xfrm>
+            <a:off x="684212" y="55401"/>
+            <a:ext cx="8534400" cy="1507067"/>
+          </a:xfrm>
+        </p:spPr>
         <p:txBody>
           <a:bodyPr/>
           <a:lstStyle/>
@@ -10407,7 +11254,12 @@
             <p:ph idx="1"/>
           </p:nvPr>
         </p:nvSpPr>
-        <p:spPr/>
+        <p:spPr>
+          <a:xfrm>
+            <a:off x="684212" y="1316199"/>
+            <a:ext cx="8534400" cy="3615267"/>
+          </a:xfrm>
+        </p:spPr>
         <p:txBody>
           <a:bodyPr/>
           <a:lstStyle/>
@@ -10608,7 +11460,7 @@
         </p:blipFill>
         <p:spPr>
           <a:xfrm>
-            <a:off x="2399143" y="1492173"/>
+            <a:off x="2399143" y="2122572"/>
             <a:ext cx="4072679" cy="490684"/>
           </a:xfrm>
           <a:prstGeom prst="rect">
@@ -10638,7 +11490,7 @@
         </p:blipFill>
         <p:spPr>
           <a:xfrm>
-            <a:off x="1759767" y="2276106"/>
+            <a:off x="1759767" y="2906505"/>
             <a:ext cx="1552575" cy="438150"/>
           </a:xfrm>
           <a:prstGeom prst="rect">
@@ -10668,7 +11520,7 @@
         </p:blipFill>
         <p:spPr>
           <a:xfrm>
-            <a:off x="4696892" y="2249878"/>
+            <a:off x="4696892" y="2880277"/>
             <a:ext cx="3905250" cy="438150"/>
           </a:xfrm>
           <a:prstGeom prst="rect">
@@ -10698,7 +11550,7 @@
         </p:blipFill>
         <p:spPr>
           <a:xfrm>
-            <a:off x="2026280" y="3015190"/>
+            <a:off x="2026280" y="3645589"/>
             <a:ext cx="2752725" cy="1057275"/>
           </a:xfrm>
           <a:prstGeom prst="rect">
@@ -10728,7 +11580,7 @@
         </p:blipFill>
         <p:spPr>
           <a:xfrm>
-            <a:off x="6828568" y="4543425"/>
+            <a:off x="2026280" y="5003798"/>
             <a:ext cx="3848100" cy="1628775"/>
           </a:xfrm>
           <a:prstGeom prst="rect">
@@ -10863,6 +11715,87 @@
                                   </p:childTnLst>
                                 </p:cTn>
                               </p:par>
+                              <p:par>
+                                <p:cTn id="10" presetID="42" presetClass="entr" presetSubtype="0" fill="hold" nodeType="withEffect">
+                                  <p:stCondLst>
+                                    <p:cond delay="0"/>
+                                  </p:stCondLst>
+                                  <p:childTnLst>
+                                    <p:set>
+                                      <p:cBhvr>
+                                        <p:cTn id="11" dur="1" fill="hold">
+                                          <p:stCondLst>
+                                            <p:cond delay="0"/>
+                                          </p:stCondLst>
+                                        </p:cTn>
+                                        <p:tgtEl>
+                                          <p:spTgt spid="7"/>
+                                        </p:tgtEl>
+                                        <p:attrNameLst>
+                                          <p:attrName>style.visibility</p:attrName>
+                                        </p:attrNameLst>
+                                      </p:cBhvr>
+                                      <p:to>
+                                        <p:strVal val="visible"/>
+                                      </p:to>
+                                    </p:set>
+                                    <p:animEffect transition="in" filter="fade">
+                                      <p:cBhvr>
+                                        <p:cTn id="12" dur="1000"/>
+                                        <p:tgtEl>
+                                          <p:spTgt spid="7"/>
+                                        </p:tgtEl>
+                                      </p:cBhvr>
+                                    </p:animEffect>
+                                    <p:anim calcmode="lin" valueType="num">
+                                      <p:cBhvr>
+                                        <p:cTn id="13" dur="1000" fill="hold"/>
+                                        <p:tgtEl>
+                                          <p:spTgt spid="7"/>
+                                        </p:tgtEl>
+                                        <p:attrNameLst>
+                                          <p:attrName>ppt_x</p:attrName>
+                                        </p:attrNameLst>
+                                      </p:cBhvr>
+                                      <p:tavLst>
+                                        <p:tav tm="0">
+                                          <p:val>
+                                            <p:strVal val="#ppt_x"/>
+                                          </p:val>
+                                        </p:tav>
+                                        <p:tav tm="100000">
+                                          <p:val>
+                                            <p:strVal val="#ppt_x"/>
+                                          </p:val>
+                                        </p:tav>
+                                      </p:tavLst>
+                                    </p:anim>
+                                    <p:anim calcmode="lin" valueType="num">
+                                      <p:cBhvr>
+                                        <p:cTn id="14" dur="1000" fill="hold"/>
+                                        <p:tgtEl>
+                                          <p:spTgt spid="7"/>
+                                        </p:tgtEl>
+                                        <p:attrNameLst>
+                                          <p:attrName>ppt_y</p:attrName>
+                                        </p:attrNameLst>
+                                      </p:cBhvr>
+                                      <p:tavLst>
+                                        <p:tav tm="0">
+                                          <p:val>
+                                            <p:strVal val="#ppt_y+.1"/>
+                                          </p:val>
+                                        </p:tav>
+                                        <p:tav tm="100000">
+                                          <p:val>
+                                            <p:strVal val="#ppt_y"/>
+                                          </p:val>
+                                        </p:tav>
+                                      </p:tavLst>
+                                    </p:anim>
+                                  </p:childTnLst>
+                                </p:cTn>
+                              </p:par>
                             </p:childTnLst>
                           </p:cTn>
                         </p:par>
@@ -10870,26 +11803,26 @@
                     </p:cTn>
                   </p:par>
                   <p:par>
-                    <p:cTn id="10" fill="hold">
+                    <p:cTn id="15" fill="hold">
                       <p:stCondLst>
                         <p:cond delay="indefinite"/>
                       </p:stCondLst>
                       <p:childTnLst>
                         <p:par>
-                          <p:cTn id="11" fill="hold">
+                          <p:cTn id="16" fill="hold">
                             <p:stCondLst>
                               <p:cond delay="0"/>
                             </p:stCondLst>
                             <p:childTnLst>
                               <p:par>
-                                <p:cTn id="12" presetID="42" presetClass="entr" presetSubtype="0" fill="hold" grpId="0" nodeType="clickEffect">
+                                <p:cTn id="17" presetID="42" presetClass="entr" presetSubtype="0" fill="hold" grpId="0" nodeType="clickEffect">
                                   <p:stCondLst>
                                     <p:cond delay="0"/>
                                   </p:stCondLst>
                                   <p:childTnLst>
                                     <p:set>
                                       <p:cBhvr>
-                                        <p:cTn id="13" dur="1" fill="hold">
+                                        <p:cTn id="18" dur="1" fill="hold">
                                           <p:stCondLst>
                                             <p:cond delay="0"/>
                                           </p:stCondLst>
@@ -10911,7 +11844,7 @@
                                     </p:set>
                                     <p:animEffect transition="in" filter="fade">
                                       <p:cBhvr>
-                                        <p:cTn id="14" dur="1000"/>
+                                        <p:cTn id="19" dur="1000"/>
                                         <p:tgtEl>
                                           <p:spTgt spid="3">
                                             <p:txEl>
@@ -10923,7 +11856,7 @@
                                     </p:animEffect>
                                     <p:anim calcmode="lin" valueType="num">
                                       <p:cBhvr>
-                                        <p:cTn id="15" dur="1000" fill="hold"/>
+                                        <p:cTn id="20" dur="1000" fill="hold"/>
                                         <p:tgtEl>
                                           <p:spTgt spid="3">
                                             <p:txEl>
@@ -10950,11 +11883,288 @@
                                     </p:anim>
                                     <p:anim calcmode="lin" valueType="num">
                                       <p:cBhvr>
-                                        <p:cTn id="16" dur="1000" fill="hold"/>
+                                        <p:cTn id="21" dur="1000" fill="hold"/>
                                         <p:tgtEl>
                                           <p:spTgt spid="3">
                                             <p:txEl>
                                               <p:pRg st="3" end="3"/>
+                                            </p:txEl>
+                                          </p:spTgt>
+                                        </p:tgtEl>
+                                        <p:attrNameLst>
+                                          <p:attrName>ppt_y</p:attrName>
+                                        </p:attrNameLst>
+                                      </p:cBhvr>
+                                      <p:tavLst>
+                                        <p:tav tm="0">
+                                          <p:val>
+                                            <p:strVal val="#ppt_y+.1"/>
+                                          </p:val>
+                                        </p:tav>
+                                        <p:tav tm="100000">
+                                          <p:val>
+                                            <p:strVal val="#ppt_y"/>
+                                          </p:val>
+                                        </p:tav>
+                                      </p:tavLst>
+                                    </p:anim>
+                                  </p:childTnLst>
+                                </p:cTn>
+                              </p:par>
+                              <p:par>
+                                <p:cTn id="22" presetID="42" presetClass="entr" presetSubtype="0" fill="hold" nodeType="withEffect">
+                                  <p:stCondLst>
+                                    <p:cond delay="0"/>
+                                  </p:stCondLst>
+                                  <p:childTnLst>
+                                    <p:set>
+                                      <p:cBhvr>
+                                        <p:cTn id="23" dur="1" fill="hold">
+                                          <p:stCondLst>
+                                            <p:cond delay="0"/>
+                                          </p:stCondLst>
+                                        </p:cTn>
+                                        <p:tgtEl>
+                                          <p:spTgt spid="9"/>
+                                        </p:tgtEl>
+                                        <p:attrNameLst>
+                                          <p:attrName>style.visibility</p:attrName>
+                                        </p:attrNameLst>
+                                      </p:cBhvr>
+                                      <p:to>
+                                        <p:strVal val="visible"/>
+                                      </p:to>
+                                    </p:set>
+                                    <p:animEffect transition="in" filter="fade">
+                                      <p:cBhvr>
+                                        <p:cTn id="24" dur="1000"/>
+                                        <p:tgtEl>
+                                          <p:spTgt spid="9"/>
+                                        </p:tgtEl>
+                                      </p:cBhvr>
+                                    </p:animEffect>
+                                    <p:anim calcmode="lin" valueType="num">
+                                      <p:cBhvr>
+                                        <p:cTn id="25" dur="1000" fill="hold"/>
+                                        <p:tgtEl>
+                                          <p:spTgt spid="9"/>
+                                        </p:tgtEl>
+                                        <p:attrNameLst>
+                                          <p:attrName>ppt_x</p:attrName>
+                                        </p:attrNameLst>
+                                      </p:cBhvr>
+                                      <p:tavLst>
+                                        <p:tav tm="0">
+                                          <p:val>
+                                            <p:strVal val="#ppt_x"/>
+                                          </p:val>
+                                        </p:tav>
+                                        <p:tav tm="100000">
+                                          <p:val>
+                                            <p:strVal val="#ppt_x"/>
+                                          </p:val>
+                                        </p:tav>
+                                      </p:tavLst>
+                                    </p:anim>
+                                    <p:anim calcmode="lin" valueType="num">
+                                      <p:cBhvr>
+                                        <p:cTn id="26" dur="1000" fill="hold"/>
+                                        <p:tgtEl>
+                                          <p:spTgt spid="9"/>
+                                        </p:tgtEl>
+                                        <p:attrNameLst>
+                                          <p:attrName>ppt_y</p:attrName>
+                                        </p:attrNameLst>
+                                      </p:cBhvr>
+                                      <p:tavLst>
+                                        <p:tav tm="0">
+                                          <p:val>
+                                            <p:strVal val="#ppt_y+.1"/>
+                                          </p:val>
+                                        </p:tav>
+                                        <p:tav tm="100000">
+                                          <p:val>
+                                            <p:strVal val="#ppt_y"/>
+                                          </p:val>
+                                        </p:tav>
+                                      </p:tavLst>
+                                    </p:anim>
+                                  </p:childTnLst>
+                                </p:cTn>
+                              </p:par>
+                              <p:par>
+                                <p:cTn id="27" presetID="42" presetClass="entr" presetSubtype="0" fill="hold" nodeType="withEffect">
+                                  <p:stCondLst>
+                                    <p:cond delay="0"/>
+                                  </p:stCondLst>
+                                  <p:childTnLst>
+                                    <p:set>
+                                      <p:cBhvr>
+                                        <p:cTn id="28" dur="1" fill="hold">
+                                          <p:stCondLst>
+                                            <p:cond delay="0"/>
+                                          </p:stCondLst>
+                                        </p:cTn>
+                                        <p:tgtEl>
+                                          <p:spTgt spid="11"/>
+                                        </p:tgtEl>
+                                        <p:attrNameLst>
+                                          <p:attrName>style.visibility</p:attrName>
+                                        </p:attrNameLst>
+                                      </p:cBhvr>
+                                      <p:to>
+                                        <p:strVal val="visible"/>
+                                      </p:to>
+                                    </p:set>
+                                    <p:animEffect transition="in" filter="fade">
+                                      <p:cBhvr>
+                                        <p:cTn id="29" dur="1000"/>
+                                        <p:tgtEl>
+                                          <p:spTgt spid="11"/>
+                                        </p:tgtEl>
+                                      </p:cBhvr>
+                                    </p:animEffect>
+                                    <p:anim calcmode="lin" valueType="num">
+                                      <p:cBhvr>
+                                        <p:cTn id="30" dur="1000" fill="hold"/>
+                                        <p:tgtEl>
+                                          <p:spTgt spid="11"/>
+                                        </p:tgtEl>
+                                        <p:attrNameLst>
+                                          <p:attrName>ppt_x</p:attrName>
+                                        </p:attrNameLst>
+                                      </p:cBhvr>
+                                      <p:tavLst>
+                                        <p:tav tm="0">
+                                          <p:val>
+                                            <p:strVal val="#ppt_x"/>
+                                          </p:val>
+                                        </p:tav>
+                                        <p:tav tm="100000">
+                                          <p:val>
+                                            <p:strVal val="#ppt_x"/>
+                                          </p:val>
+                                        </p:tav>
+                                      </p:tavLst>
+                                    </p:anim>
+                                    <p:anim calcmode="lin" valueType="num">
+                                      <p:cBhvr>
+                                        <p:cTn id="31" dur="1000" fill="hold"/>
+                                        <p:tgtEl>
+                                          <p:spTgt spid="11"/>
+                                        </p:tgtEl>
+                                        <p:attrNameLst>
+                                          <p:attrName>ppt_y</p:attrName>
+                                        </p:attrNameLst>
+                                      </p:cBhvr>
+                                      <p:tavLst>
+                                        <p:tav tm="0">
+                                          <p:val>
+                                            <p:strVal val="#ppt_y+.1"/>
+                                          </p:val>
+                                        </p:tav>
+                                        <p:tav tm="100000">
+                                          <p:val>
+                                            <p:strVal val="#ppt_y"/>
+                                          </p:val>
+                                        </p:tav>
+                                      </p:tavLst>
+                                    </p:anim>
+                                  </p:childTnLst>
+                                </p:cTn>
+                              </p:par>
+                            </p:childTnLst>
+                          </p:cTn>
+                        </p:par>
+                      </p:childTnLst>
+                    </p:cTn>
+                  </p:par>
+                  <p:par>
+                    <p:cTn id="32" fill="hold">
+                      <p:stCondLst>
+                        <p:cond delay="indefinite"/>
+                      </p:stCondLst>
+                      <p:childTnLst>
+                        <p:par>
+                          <p:cTn id="33" fill="hold">
+                            <p:stCondLst>
+                              <p:cond delay="0"/>
+                            </p:stCondLst>
+                            <p:childTnLst>
+                              <p:par>
+                                <p:cTn id="34" presetID="42" presetClass="entr" presetSubtype="0" fill="hold" nodeType="clickEffect">
+                                  <p:stCondLst>
+                                    <p:cond delay="0"/>
+                                  </p:stCondLst>
+                                  <p:childTnLst>
+                                    <p:set>
+                                      <p:cBhvr>
+                                        <p:cTn id="35" dur="1" fill="hold">
+                                          <p:stCondLst>
+                                            <p:cond delay="0"/>
+                                          </p:stCondLst>
+                                        </p:cTn>
+                                        <p:tgtEl>
+                                          <p:spTgt spid="3">
+                                            <p:txEl>
+                                              <p:pRg st="5" end="5"/>
+                                            </p:txEl>
+                                          </p:spTgt>
+                                        </p:tgtEl>
+                                        <p:attrNameLst>
+                                          <p:attrName>style.visibility</p:attrName>
+                                        </p:attrNameLst>
+                                      </p:cBhvr>
+                                      <p:to>
+                                        <p:strVal val="visible"/>
+                                      </p:to>
+                                    </p:set>
+                                    <p:animEffect transition="in" filter="fade">
+                                      <p:cBhvr>
+                                        <p:cTn id="36" dur="1000"/>
+                                        <p:tgtEl>
+                                          <p:spTgt spid="3">
+                                            <p:txEl>
+                                              <p:pRg st="5" end="5"/>
+                                            </p:txEl>
+                                          </p:spTgt>
+                                        </p:tgtEl>
+                                      </p:cBhvr>
+                                    </p:animEffect>
+                                    <p:anim calcmode="lin" valueType="num">
+                                      <p:cBhvr>
+                                        <p:cTn id="37" dur="1000" fill="hold"/>
+                                        <p:tgtEl>
+                                          <p:spTgt spid="3">
+                                            <p:txEl>
+                                              <p:pRg st="5" end="5"/>
+                                            </p:txEl>
+                                          </p:spTgt>
+                                        </p:tgtEl>
+                                        <p:attrNameLst>
+                                          <p:attrName>ppt_x</p:attrName>
+                                        </p:attrNameLst>
+                                      </p:cBhvr>
+                                      <p:tavLst>
+                                        <p:tav tm="0">
+                                          <p:val>
+                                            <p:strVal val="#ppt_x"/>
+                                          </p:val>
+                                        </p:tav>
+                                        <p:tav tm="100000">
+                                          <p:val>
+                                            <p:strVal val="#ppt_x"/>
+                                          </p:val>
+                                        </p:tav>
+                                      </p:tavLst>
+                                    </p:anim>
+                                    <p:anim calcmode="lin" valueType="num">
+                                      <p:cBhvr>
+                                        <p:cTn id="38" dur="1000" fill="hold"/>
+                                        <p:tgtEl>
+                                          <p:spTgt spid="3">
+                                            <p:txEl>
+                                              <p:pRg st="5" end="5"/>
                                             </p:txEl>
                                           </p:spTgt>
                                         </p:tgtEl>
@@ -10985,366 +12195,26 @@
                     </p:cTn>
                   </p:par>
                   <p:par>
-                    <p:cTn id="17" fill="hold">
+                    <p:cTn id="39" fill="hold">
                       <p:stCondLst>
                         <p:cond delay="indefinite"/>
                       </p:stCondLst>
                       <p:childTnLst>
                         <p:par>
-                          <p:cTn id="18" fill="hold">
+                          <p:cTn id="40" fill="hold">
                             <p:stCondLst>
                               <p:cond delay="0"/>
                             </p:stCondLst>
                             <p:childTnLst>
                               <p:par>
-                                <p:cTn id="19" presetID="42" presetClass="entr" presetSubtype="0" fill="hold" grpId="0" nodeType="clickEffect">
+                                <p:cTn id="41" presetID="42" presetClass="entr" presetSubtype="0" fill="hold" nodeType="clickEffect">
                                   <p:stCondLst>
                                     <p:cond delay="0"/>
                                   </p:stCondLst>
                                   <p:childTnLst>
                                     <p:set>
                                       <p:cBhvr>
-                                        <p:cTn id="20" dur="1" fill="hold">
-                                          <p:stCondLst>
-                                            <p:cond delay="0"/>
-                                          </p:stCondLst>
-                                        </p:cTn>
-                                        <p:tgtEl>
-                                          <p:spTgt spid="3">
-                                            <p:txEl>
-                                              <p:pRg st="5" end="5"/>
-                                            </p:txEl>
-                                          </p:spTgt>
-                                        </p:tgtEl>
-                                        <p:attrNameLst>
-                                          <p:attrName>style.visibility</p:attrName>
-                                        </p:attrNameLst>
-                                      </p:cBhvr>
-                                      <p:to>
-                                        <p:strVal val="visible"/>
-                                      </p:to>
-                                    </p:set>
-                                    <p:animEffect transition="in" filter="fade">
-                                      <p:cBhvr>
-                                        <p:cTn id="21" dur="1000"/>
-                                        <p:tgtEl>
-                                          <p:spTgt spid="3">
-                                            <p:txEl>
-                                              <p:pRg st="5" end="5"/>
-                                            </p:txEl>
-                                          </p:spTgt>
-                                        </p:tgtEl>
-                                      </p:cBhvr>
-                                    </p:animEffect>
-                                    <p:anim calcmode="lin" valueType="num">
-                                      <p:cBhvr>
-                                        <p:cTn id="22" dur="1000" fill="hold"/>
-                                        <p:tgtEl>
-                                          <p:spTgt spid="3">
-                                            <p:txEl>
-                                              <p:pRg st="5" end="5"/>
-                                            </p:txEl>
-                                          </p:spTgt>
-                                        </p:tgtEl>
-                                        <p:attrNameLst>
-                                          <p:attrName>ppt_x</p:attrName>
-                                        </p:attrNameLst>
-                                      </p:cBhvr>
-                                      <p:tavLst>
-                                        <p:tav tm="0">
-                                          <p:val>
-                                            <p:strVal val="#ppt_x"/>
-                                          </p:val>
-                                        </p:tav>
-                                        <p:tav tm="100000">
-                                          <p:val>
-                                            <p:strVal val="#ppt_x"/>
-                                          </p:val>
-                                        </p:tav>
-                                      </p:tavLst>
-                                    </p:anim>
-                                    <p:anim calcmode="lin" valueType="num">
-                                      <p:cBhvr>
-                                        <p:cTn id="23" dur="1000" fill="hold"/>
-                                        <p:tgtEl>
-                                          <p:spTgt spid="3">
-                                            <p:txEl>
-                                              <p:pRg st="5" end="5"/>
-                                            </p:txEl>
-                                          </p:spTgt>
-                                        </p:tgtEl>
-                                        <p:attrNameLst>
-                                          <p:attrName>ppt_y</p:attrName>
-                                        </p:attrNameLst>
-                                      </p:cBhvr>
-                                      <p:tavLst>
-                                        <p:tav tm="0">
-                                          <p:val>
-                                            <p:strVal val="#ppt_y+.1"/>
-                                          </p:val>
-                                        </p:tav>
-                                        <p:tav tm="100000">
-                                          <p:val>
-                                            <p:strVal val="#ppt_y"/>
-                                          </p:val>
-                                        </p:tav>
-                                      </p:tavLst>
-                                    </p:anim>
-                                  </p:childTnLst>
-                                </p:cTn>
-                              </p:par>
-                              <p:par>
-                                <p:cTn id="24" presetID="42" presetClass="entr" presetSubtype="0" fill="hold" nodeType="withEffect">
-                                  <p:stCondLst>
-                                    <p:cond delay="0"/>
-                                  </p:stCondLst>
-                                  <p:childTnLst>
-                                    <p:set>
-                                      <p:cBhvr>
-                                        <p:cTn id="25" dur="1" fill="hold">
-                                          <p:stCondLst>
-                                            <p:cond delay="0"/>
-                                          </p:stCondLst>
-                                        </p:cTn>
-                                        <p:tgtEl>
-                                          <p:spTgt spid="11"/>
-                                        </p:tgtEl>
-                                        <p:attrNameLst>
-                                          <p:attrName>style.visibility</p:attrName>
-                                        </p:attrNameLst>
-                                      </p:cBhvr>
-                                      <p:to>
-                                        <p:strVal val="visible"/>
-                                      </p:to>
-                                    </p:set>
-                                    <p:animEffect transition="in" filter="fade">
-                                      <p:cBhvr>
-                                        <p:cTn id="26" dur="1000"/>
-                                        <p:tgtEl>
-                                          <p:spTgt spid="11"/>
-                                        </p:tgtEl>
-                                      </p:cBhvr>
-                                    </p:animEffect>
-                                    <p:anim calcmode="lin" valueType="num">
-                                      <p:cBhvr>
-                                        <p:cTn id="27" dur="1000" fill="hold"/>
-                                        <p:tgtEl>
-                                          <p:spTgt spid="11"/>
-                                        </p:tgtEl>
-                                        <p:attrNameLst>
-                                          <p:attrName>ppt_x</p:attrName>
-                                        </p:attrNameLst>
-                                      </p:cBhvr>
-                                      <p:tavLst>
-                                        <p:tav tm="0">
-                                          <p:val>
-                                            <p:strVal val="#ppt_x"/>
-                                          </p:val>
-                                        </p:tav>
-                                        <p:tav tm="100000">
-                                          <p:val>
-                                            <p:strVal val="#ppt_x"/>
-                                          </p:val>
-                                        </p:tav>
-                                      </p:tavLst>
-                                    </p:anim>
-                                    <p:anim calcmode="lin" valueType="num">
-                                      <p:cBhvr>
-                                        <p:cTn id="28" dur="1000" fill="hold"/>
-                                        <p:tgtEl>
-                                          <p:spTgt spid="11"/>
-                                        </p:tgtEl>
-                                        <p:attrNameLst>
-                                          <p:attrName>ppt_y</p:attrName>
-                                        </p:attrNameLst>
-                                      </p:cBhvr>
-                                      <p:tavLst>
-                                        <p:tav tm="0">
-                                          <p:val>
-                                            <p:strVal val="#ppt_y+.1"/>
-                                          </p:val>
-                                        </p:tav>
-                                        <p:tav tm="100000">
-                                          <p:val>
-                                            <p:strVal val="#ppt_y"/>
-                                          </p:val>
-                                        </p:tav>
-                                      </p:tavLst>
-                                    </p:anim>
-                                  </p:childTnLst>
-                                </p:cTn>
-                              </p:par>
-                              <p:par>
-                                <p:cTn id="29" presetID="42" presetClass="entr" presetSubtype="0" fill="hold" nodeType="withEffect">
-                                  <p:stCondLst>
-                                    <p:cond delay="0"/>
-                                  </p:stCondLst>
-                                  <p:childTnLst>
-                                    <p:set>
-                                      <p:cBhvr>
-                                        <p:cTn id="30" dur="1" fill="hold">
-                                          <p:stCondLst>
-                                            <p:cond delay="0"/>
-                                          </p:stCondLst>
-                                        </p:cTn>
-                                        <p:tgtEl>
-                                          <p:spTgt spid="9"/>
-                                        </p:tgtEl>
-                                        <p:attrNameLst>
-                                          <p:attrName>style.visibility</p:attrName>
-                                        </p:attrNameLst>
-                                      </p:cBhvr>
-                                      <p:to>
-                                        <p:strVal val="visible"/>
-                                      </p:to>
-                                    </p:set>
-                                    <p:animEffect transition="in" filter="fade">
-                                      <p:cBhvr>
-                                        <p:cTn id="31" dur="1000"/>
-                                        <p:tgtEl>
-                                          <p:spTgt spid="9"/>
-                                        </p:tgtEl>
-                                      </p:cBhvr>
-                                    </p:animEffect>
-                                    <p:anim calcmode="lin" valueType="num">
-                                      <p:cBhvr>
-                                        <p:cTn id="32" dur="1000" fill="hold"/>
-                                        <p:tgtEl>
-                                          <p:spTgt spid="9"/>
-                                        </p:tgtEl>
-                                        <p:attrNameLst>
-                                          <p:attrName>ppt_x</p:attrName>
-                                        </p:attrNameLst>
-                                      </p:cBhvr>
-                                      <p:tavLst>
-                                        <p:tav tm="0">
-                                          <p:val>
-                                            <p:strVal val="#ppt_x"/>
-                                          </p:val>
-                                        </p:tav>
-                                        <p:tav tm="100000">
-                                          <p:val>
-                                            <p:strVal val="#ppt_x"/>
-                                          </p:val>
-                                        </p:tav>
-                                      </p:tavLst>
-                                    </p:anim>
-                                    <p:anim calcmode="lin" valueType="num">
-                                      <p:cBhvr>
-                                        <p:cTn id="33" dur="1000" fill="hold"/>
-                                        <p:tgtEl>
-                                          <p:spTgt spid="9"/>
-                                        </p:tgtEl>
-                                        <p:attrNameLst>
-                                          <p:attrName>ppt_y</p:attrName>
-                                        </p:attrNameLst>
-                                      </p:cBhvr>
-                                      <p:tavLst>
-                                        <p:tav tm="0">
-                                          <p:val>
-                                            <p:strVal val="#ppt_y+.1"/>
-                                          </p:val>
-                                        </p:tav>
-                                        <p:tav tm="100000">
-                                          <p:val>
-                                            <p:strVal val="#ppt_y"/>
-                                          </p:val>
-                                        </p:tav>
-                                      </p:tavLst>
-                                    </p:anim>
-                                  </p:childTnLst>
-                                </p:cTn>
-                              </p:par>
-                              <p:par>
-                                <p:cTn id="34" presetID="42" presetClass="entr" presetSubtype="0" fill="hold" nodeType="withEffect">
-                                  <p:stCondLst>
-                                    <p:cond delay="0"/>
-                                  </p:stCondLst>
-                                  <p:childTnLst>
-                                    <p:set>
-                                      <p:cBhvr>
-                                        <p:cTn id="35" dur="1" fill="hold">
-                                          <p:stCondLst>
-                                            <p:cond delay="0"/>
-                                          </p:stCondLst>
-                                        </p:cTn>
-                                        <p:tgtEl>
-                                          <p:spTgt spid="7"/>
-                                        </p:tgtEl>
-                                        <p:attrNameLst>
-                                          <p:attrName>style.visibility</p:attrName>
-                                        </p:attrNameLst>
-                                      </p:cBhvr>
-                                      <p:to>
-                                        <p:strVal val="visible"/>
-                                      </p:to>
-                                    </p:set>
-                                    <p:animEffect transition="in" filter="fade">
-                                      <p:cBhvr>
-                                        <p:cTn id="36" dur="1000"/>
-                                        <p:tgtEl>
-                                          <p:spTgt spid="7"/>
-                                        </p:tgtEl>
-                                      </p:cBhvr>
-                                    </p:animEffect>
-                                    <p:anim calcmode="lin" valueType="num">
-                                      <p:cBhvr>
-                                        <p:cTn id="37" dur="1000" fill="hold"/>
-                                        <p:tgtEl>
-                                          <p:spTgt spid="7"/>
-                                        </p:tgtEl>
-                                        <p:attrNameLst>
-                                          <p:attrName>ppt_x</p:attrName>
-                                        </p:attrNameLst>
-                                      </p:cBhvr>
-                                      <p:tavLst>
-                                        <p:tav tm="0">
-                                          <p:val>
-                                            <p:strVal val="#ppt_x"/>
-                                          </p:val>
-                                        </p:tav>
-                                        <p:tav tm="100000">
-                                          <p:val>
-                                            <p:strVal val="#ppt_x"/>
-                                          </p:val>
-                                        </p:tav>
-                                      </p:tavLst>
-                                    </p:anim>
-                                    <p:anim calcmode="lin" valueType="num">
-                                      <p:cBhvr>
-                                        <p:cTn id="38" dur="1000" fill="hold"/>
-                                        <p:tgtEl>
-                                          <p:spTgt spid="7"/>
-                                        </p:tgtEl>
-                                        <p:attrNameLst>
-                                          <p:attrName>ppt_y</p:attrName>
-                                        </p:attrNameLst>
-                                      </p:cBhvr>
-                                      <p:tavLst>
-                                        <p:tav tm="0">
-                                          <p:val>
-                                            <p:strVal val="#ppt_y+.1"/>
-                                          </p:val>
-                                        </p:tav>
-                                        <p:tav tm="100000">
-                                          <p:val>
-                                            <p:strVal val="#ppt_y"/>
-                                          </p:val>
-                                        </p:tav>
-                                      </p:tavLst>
-                                    </p:anim>
-                                  </p:childTnLst>
-                                </p:cTn>
-                              </p:par>
-                              <p:par>
-                                <p:cTn id="39" presetID="42" presetClass="entr" presetSubtype="0" fill="hold" nodeType="withEffect">
-                                  <p:stCondLst>
-                                    <p:cond delay="0"/>
-                                  </p:stCondLst>
-                                  <p:childTnLst>
-                                    <p:set>
-                                      <p:cBhvr>
-                                        <p:cTn id="40" dur="1" fill="hold">
+                                        <p:cTn id="42" dur="1" fill="hold">
                                           <p:stCondLst>
                                             <p:cond delay="0"/>
                                           </p:stCondLst>
@@ -11362,7 +12232,7 @@
                                     </p:set>
                                     <p:animEffect transition="in" filter="fade">
                                       <p:cBhvr>
-                                        <p:cTn id="41" dur="1000"/>
+                                        <p:cTn id="43" dur="1000"/>
                                         <p:tgtEl>
                                           <p:spTgt spid="13"/>
                                         </p:tgtEl>
@@ -11370,7 +12240,7 @@
                                     </p:animEffect>
                                     <p:anim calcmode="lin" valueType="num">
                                       <p:cBhvr>
-                                        <p:cTn id="42" dur="1000" fill="hold"/>
+                                        <p:cTn id="44" dur="1000" fill="hold"/>
                                         <p:tgtEl>
                                           <p:spTgt spid="13"/>
                                         </p:tgtEl>
@@ -11393,7 +12263,7 @@
                                     </p:anim>
                                     <p:anim calcmode="lin" valueType="num">
                                       <p:cBhvr>
-                                        <p:cTn id="43" dur="1000" fill="hold"/>
+                                        <p:cTn id="45" dur="1000" fill="hold"/>
                                         <p:tgtEl>
                                           <p:spTgt spid="13"/>
                                         </p:tgtEl>
@@ -11424,26 +12294,26 @@
                     </p:cTn>
                   </p:par>
                   <p:par>
-                    <p:cTn id="44" fill="hold">
+                    <p:cTn id="46" fill="hold">
                       <p:stCondLst>
                         <p:cond delay="indefinite"/>
                       </p:stCondLst>
                       <p:childTnLst>
                         <p:par>
-                          <p:cTn id="45" fill="hold">
+                          <p:cTn id="47" fill="hold">
                             <p:stCondLst>
                               <p:cond delay="0"/>
                             </p:stCondLst>
                             <p:childTnLst>
                               <p:par>
-                                <p:cTn id="46" presetID="2" presetClass="entr" presetSubtype="4" fill="hold" nodeType="clickEffect">
+                                <p:cTn id="48" presetID="2" presetClass="entr" presetSubtype="4" fill="hold" nodeType="clickEffect">
                                   <p:stCondLst>
                                     <p:cond delay="0"/>
                                   </p:stCondLst>
                                   <p:childTnLst>
                                     <p:set>
                                       <p:cBhvr>
-                                        <p:cTn id="47" dur="1" fill="hold">
+                                        <p:cTn id="49" dur="1" fill="hold">
                                           <p:stCondLst>
                                             <p:cond delay="0"/>
                                           </p:stCondLst>
@@ -11461,7 +12331,7 @@
                                     </p:set>
                                     <p:anim calcmode="lin" valueType="num">
                                       <p:cBhvr additive="base">
-                                        <p:cTn id="48" dur="500" fill="hold"/>
+                                        <p:cTn id="50" dur="500" fill="hold"/>
                                         <p:tgtEl>
                                           <p:spTgt spid="19"/>
                                         </p:tgtEl>
@@ -11484,7 +12354,7 @@
                                     </p:anim>
                                     <p:anim calcmode="lin" valueType="num">
                                       <p:cBhvr additive="base">
-                                        <p:cTn id="49" dur="500" fill="hold"/>
+                                        <p:cTn id="51" dur="500" fill="hold"/>
                                         <p:tgtEl>
                                           <p:spTgt spid="19"/>
                                         </p:tgtEl>
@@ -11536,13 +12406,13 @@
       </p:par>
     </p:tnLst>
     <p:bldLst>
-      <p:bldP spid="3" grpId="0" build="p"/>
+      <p:bldP spid="3" grpId="0" uiExpand="1" build="p"/>
     </p:bldLst>
   </p:timing>
 </p:sld>
 </file>
 
-<file path=ppt/slides/slide8.xml><?xml version="1.0" encoding="utf-8"?>
+<file path=ppt/slides/slide9.xml><?xml version="1.0" encoding="utf-8"?>
 <p:sld xmlns:a="http://schemas.openxmlformats.org/drawingml/2006/main" xmlns:r="http://schemas.openxmlformats.org/officeDocument/2006/relationships" xmlns:p="http://schemas.openxmlformats.org/presentationml/2006/main">
   <p:cSld>
     <p:spTree>
@@ -12195,154 +13065,6 @@
     <p:extLst>
       <p:ext uri="{BB962C8B-B14F-4D97-AF65-F5344CB8AC3E}">
         <p14:creationId xmlns:p14="http://schemas.microsoft.com/office/powerpoint/2010/main" val="3174655789"/>
-      </p:ext>
-    </p:extLst>
-  </p:cSld>
-  <p:clrMapOvr>
-    <a:masterClrMapping/>
-  </p:clrMapOvr>
-</p:sld>
-</file>
-
-<file path=ppt/slides/slide9.xml><?xml version="1.0" encoding="utf-8"?>
-<p:sld xmlns:a="http://schemas.openxmlformats.org/drawingml/2006/main" xmlns:r="http://schemas.openxmlformats.org/officeDocument/2006/relationships" xmlns:p="http://schemas.openxmlformats.org/presentationml/2006/main">
-  <p:cSld>
-    <p:spTree>
-      <p:nvGrpSpPr>
-        <p:cNvPr id="1" name=""/>
-        <p:cNvGrpSpPr/>
-        <p:nvPr/>
-      </p:nvGrpSpPr>
-      <p:grpSpPr>
-        <a:xfrm>
-          <a:off x="0" y="0"/>
-          <a:ext cx="0" cy="0"/>
-          <a:chOff x="0" y="0"/>
-          <a:chExt cx="0" cy="0"/>
-        </a:xfrm>
-      </p:grpSpPr>
-      <p:sp>
-        <p:nvSpPr>
-          <p:cNvPr id="2" name="Title 1">
-            <a:extLst>
-              <a:ext uri="{FF2B5EF4-FFF2-40B4-BE49-F238E27FC236}">
-                <a16:creationId xmlns:a16="http://schemas.microsoft.com/office/drawing/2014/main" id="{824FE794-82A0-24FC-FB3F-F2AC09A3D93F}"/>
-              </a:ext>
-            </a:extLst>
-          </p:cNvPr>
-          <p:cNvSpPr>
-            <a:spLocks noGrp="1"/>
-          </p:cNvSpPr>
-          <p:nvPr>
-            <p:ph type="title"/>
-          </p:nvPr>
-        </p:nvSpPr>
-        <p:spPr>
-          <a:xfrm>
-            <a:off x="311349" y="296030"/>
-            <a:ext cx="10492776" cy="504825"/>
-          </a:xfrm>
-        </p:spPr>
-        <p:txBody>
-          <a:bodyPr>
-            <a:normAutofit fontScale="90000"/>
-          </a:bodyPr>
-          <a:lstStyle/>
-          <a:p>
-            <a:r>
-              <a:rPr lang="en-US" dirty="0"/>
-              <a:t>Khi </a:t>
-            </a:r>
-            <a:r>
-              <a:rPr lang="en-US" dirty="0" err="1"/>
-              <a:t>nào</a:t>
-            </a:r>
-            <a:r>
-              <a:rPr lang="en-US" dirty="0"/>
-              <a:t> </a:t>
-            </a:r>
-            <a:r>
-              <a:rPr lang="en-US" dirty="0" err="1"/>
-              <a:t>phương</a:t>
-            </a:r>
-            <a:r>
-              <a:rPr lang="en-US" dirty="0"/>
-              <a:t> </a:t>
-            </a:r>
-            <a:r>
-              <a:rPr lang="en-US" dirty="0" err="1"/>
-              <a:t>pháp</a:t>
-            </a:r>
-            <a:r>
-              <a:rPr lang="en-US" dirty="0"/>
-              <a:t> newton phân kỳ?</a:t>
-            </a:r>
-          </a:p>
-        </p:txBody>
-      </p:sp>
-      <p:pic>
-        <p:nvPicPr>
-          <p:cNvPr id="5" name="Content Placeholder 4">
-            <a:extLst>
-              <a:ext uri="{FF2B5EF4-FFF2-40B4-BE49-F238E27FC236}">
-                <a16:creationId xmlns:a16="http://schemas.microsoft.com/office/drawing/2014/main" id="{37700D8B-15CC-3D86-4995-1E3DEC84D4E4}"/>
-              </a:ext>
-            </a:extLst>
-          </p:cNvPr>
-          <p:cNvPicPr>
-            <a:picLocks noGrp="1" noChangeAspect="1"/>
-          </p:cNvPicPr>
-          <p:nvPr>
-            <p:ph idx="1"/>
-          </p:nvPr>
-        </p:nvPicPr>
-        <p:blipFill>
-          <a:blip r:embed="rId2"/>
-          <a:stretch>
-            <a:fillRect/>
-          </a:stretch>
-        </p:blipFill>
-        <p:spPr>
-          <a:xfrm>
-            <a:off x="3175328" y="958735"/>
-            <a:ext cx="5418141" cy="2687467"/>
-          </a:xfrm>
-        </p:spPr>
-      </p:pic>
-      <p:pic>
-        <p:nvPicPr>
-          <p:cNvPr id="7" name="Picture 6">
-            <a:extLst>
-              <a:ext uri="{FF2B5EF4-FFF2-40B4-BE49-F238E27FC236}">
-                <a16:creationId xmlns:a16="http://schemas.microsoft.com/office/drawing/2014/main" id="{B56ED1D1-1502-EB7D-DBE2-E18F1AC888B3}"/>
-              </a:ext>
-            </a:extLst>
-          </p:cNvPr>
-          <p:cNvPicPr>
-            <a:picLocks noChangeAspect="1"/>
-          </p:cNvPicPr>
-          <p:nvPr/>
-        </p:nvPicPr>
-        <p:blipFill>
-          <a:blip r:embed="rId3"/>
-          <a:stretch>
-            <a:fillRect/>
-          </a:stretch>
-        </p:blipFill>
-        <p:spPr>
-          <a:xfrm>
-            <a:off x="5070426" y="3804082"/>
-            <a:ext cx="1485900" cy="504825"/>
-          </a:xfrm>
-          <a:prstGeom prst="rect">
-            <a:avLst/>
-          </a:prstGeom>
-        </p:spPr>
-      </p:pic>
-    </p:spTree>
-    <p:extLst>
-      <p:ext uri="{BB962C8B-B14F-4D97-AF65-F5344CB8AC3E}">
-        <p14:creationId xmlns:p14="http://schemas.microsoft.com/office/powerpoint/2010/main" val="497660028"/>
       </p:ext>
     </p:extLst>
   </p:cSld>
